--- a/project-presentation.pptx
+++ b/project-presentation.pptx
@@ -5,7 +5,7 @@
     <p:sldMasterId id="2147483657" r:id="rId1"/>
   </p:sldMasterIdLst>
   <p:notesMasterIdLst>
-    <p:notesMasterId r:id="rId14"/>
+    <p:notesMasterId r:id="rId16"/>
   </p:notesMasterIdLst>
   <p:sldIdLst>
     <p:sldId id="256" r:id="rId2"/>
@@ -18,35 +18,42 @@
     <p:sldId id="340" r:id="rId9"/>
     <p:sldId id="341" r:id="rId10"/>
     <p:sldId id="342" r:id="rId11"/>
-    <p:sldId id="325" r:id="rId12"/>
-    <p:sldId id="324" r:id="rId13"/>
+    <p:sldId id="344" r:id="rId12"/>
+    <p:sldId id="345" r:id="rId13"/>
+    <p:sldId id="325" r:id="rId14"/>
+    <p:sldId id="324" r:id="rId15"/>
   </p:sldIdLst>
   <p:sldSz cx="9144000" cy="5143500" type="screen16x9"/>
   <p:notesSz cx="6858000" cy="9144000"/>
   <p:embeddedFontLst>
     <p:embeddedFont>
       <p:font typeface="Cambria Math" panose="02040503050406030204" pitchFamily="18" charset="0"/>
-      <p:regular r:id="rId15"/>
+      <p:regular r:id="rId17"/>
     </p:embeddedFont>
     <p:embeddedFont>
       <p:font typeface="Sitka Banner" panose="02000505000000020004" pitchFamily="2" charset="0"/>
-      <p:regular r:id="rId16"/>
-      <p:bold r:id="rId17"/>
-      <p:italic r:id="rId18"/>
-      <p:boldItalic r:id="rId19"/>
+      <p:regular r:id="rId18"/>
+      <p:bold r:id="rId19"/>
+      <p:italic r:id="rId20"/>
+      <p:boldItalic r:id="rId21"/>
     </p:embeddedFont>
     <p:embeddedFont>
       <p:font typeface="Sitka Banner Semibold" pitchFamily="2" charset="0"/>
-      <p:bold r:id="rId20"/>
-      <p:boldItalic r:id="rId21"/>
+      <p:bold r:id="rId22"/>
+      <p:boldItalic r:id="rId23"/>
+    </p:embeddedFont>
+    <p:embeddedFont>
+      <p:font typeface="Sitka Text Semibold" pitchFamily="2" charset="0"/>
+      <p:bold r:id="rId24"/>
+      <p:boldItalic r:id="rId25"/>
     </p:embeddedFont>
     <p:embeddedFont>
       <p:font typeface="Sniglet" panose="020B0604020202020204" charset="0"/>
-      <p:regular r:id="rId22"/>
+      <p:regular r:id="rId26"/>
     </p:embeddedFont>
     <p:embeddedFont>
       <p:font typeface="Walter Turncoat" panose="020B0604020202020204" charset="0"/>
-      <p:regular r:id="rId23"/>
+      <p:regular r:id="rId27"/>
     </p:embeddedFont>
   </p:embeddedFontLst>
   <p:defaultTextStyle>
@@ -1039,6 +1046,224 @@
     </p:spTree>
     <p:extLst>
       <p:ext uri="{BB962C8B-B14F-4D97-AF65-F5344CB8AC3E}">
+        <p14:creationId xmlns:p14="http://schemas.microsoft.com/office/powerpoint/2010/main" val="1632513917"/>
+      </p:ext>
+    </p:extLst>
+  </p:cSld>
+  <p:clrMapOvr>
+    <a:masterClrMapping/>
+  </p:clrMapOvr>
+</p:notes>
+</file>
+
+<file path=ppt/notesSlides/notesSlide12.xml><?xml version="1.0" encoding="utf-8"?>
+<p:notes xmlns:a="http://schemas.openxmlformats.org/drawingml/2006/main" xmlns:r="http://schemas.openxmlformats.org/officeDocument/2006/relationships" xmlns:p="http://schemas.openxmlformats.org/presentationml/2006/main" showMasterSp="0" showMasterPhAnim="0">
+  <p:cSld>
+    <p:spTree>
+      <p:nvGrpSpPr>
+        <p:cNvPr id="1" name="Shape 43"/>
+        <p:cNvGrpSpPr/>
+        <p:nvPr/>
+      </p:nvGrpSpPr>
+      <p:grpSpPr>
+        <a:xfrm>
+          <a:off x="0" y="0"/>
+          <a:ext cx="0" cy="0"/>
+          <a:chOff x="0" y="0"/>
+          <a:chExt cx="0" cy="0"/>
+        </a:xfrm>
+      </p:grpSpPr>
+      <p:sp>
+        <p:nvSpPr>
+          <p:cNvPr id="44" name="Google Shape;44;g35f391192_00:notes"/>
+          <p:cNvSpPr>
+            <a:spLocks noGrp="1" noRot="1" noChangeAspect="1"/>
+          </p:cNvSpPr>
+          <p:nvPr>
+            <p:ph type="sldImg" idx="2"/>
+          </p:nvPr>
+        </p:nvSpPr>
+        <p:spPr>
+          <a:xfrm>
+            <a:off x="381000" y="685800"/>
+            <a:ext cx="6096000" cy="3429000"/>
+          </a:xfrm>
+          <a:custGeom>
+            <a:avLst/>
+            <a:gdLst/>
+            <a:ahLst/>
+            <a:cxnLst/>
+            <a:rect l="l" t="t" r="r" b="b"/>
+            <a:pathLst>
+              <a:path w="120000" h="120000" extrusionOk="0">
+                <a:moveTo>
+                  <a:pt x="0" y="0"/>
+                </a:moveTo>
+                <a:lnTo>
+                  <a:pt x="120000" y="0"/>
+                </a:lnTo>
+                <a:lnTo>
+                  <a:pt x="120000" y="120000"/>
+                </a:lnTo>
+                <a:lnTo>
+                  <a:pt x="0" y="120000"/>
+                </a:lnTo>
+                <a:close/>
+              </a:path>
+            </a:pathLst>
+          </a:custGeom>
+        </p:spPr>
+      </p:sp>
+      <p:sp>
+        <p:nvSpPr>
+          <p:cNvPr id="45" name="Google Shape;45;g35f391192_00:notes"/>
+          <p:cNvSpPr txBox="1">
+            <a:spLocks noGrp="1"/>
+          </p:cNvSpPr>
+          <p:nvPr>
+            <p:ph type="body" idx="1"/>
+          </p:nvPr>
+        </p:nvSpPr>
+        <p:spPr>
+          <a:xfrm>
+            <a:off x="685800" y="4343400"/>
+            <a:ext cx="5486400" cy="4114800"/>
+          </a:xfrm>
+          <a:prstGeom prst="rect">
+            <a:avLst/>
+          </a:prstGeom>
+        </p:spPr>
+        <p:txBody>
+          <a:bodyPr spcFirstLastPara="1" wrap="square" lIns="91425" tIns="91425" rIns="91425" bIns="91425" anchor="t" anchorCtr="0">
+            <a:noAutofit/>
+          </a:bodyPr>
+          <a:lstStyle/>
+          <a:p>
+            <a:pPr marL="0" lvl="0" indent="0" algn="l" rtl="0">
+              <a:spcBef>
+                <a:spcPts val="0"/>
+              </a:spcBef>
+              <a:spcAft>
+                <a:spcPts val="0"/>
+              </a:spcAft>
+              <a:buNone/>
+            </a:pPr>
+            <a:endParaRPr/>
+          </a:p>
+        </p:txBody>
+      </p:sp>
+    </p:spTree>
+    <p:extLst>
+      <p:ext uri="{BB962C8B-B14F-4D97-AF65-F5344CB8AC3E}">
+        <p14:creationId xmlns:p14="http://schemas.microsoft.com/office/powerpoint/2010/main" val="2846194924"/>
+      </p:ext>
+    </p:extLst>
+  </p:cSld>
+  <p:clrMapOvr>
+    <a:masterClrMapping/>
+  </p:clrMapOvr>
+</p:notes>
+</file>
+
+<file path=ppt/notesSlides/notesSlide13.xml><?xml version="1.0" encoding="utf-8"?>
+<p:notes xmlns:a="http://schemas.openxmlformats.org/drawingml/2006/main" xmlns:r="http://schemas.openxmlformats.org/officeDocument/2006/relationships" xmlns:p="http://schemas.openxmlformats.org/presentationml/2006/main" showMasterSp="0" showMasterPhAnim="0">
+  <p:cSld>
+    <p:spTree>
+      <p:nvGrpSpPr>
+        <p:cNvPr id="1" name="Shape 43"/>
+        <p:cNvGrpSpPr/>
+        <p:nvPr/>
+      </p:nvGrpSpPr>
+      <p:grpSpPr>
+        <a:xfrm>
+          <a:off x="0" y="0"/>
+          <a:ext cx="0" cy="0"/>
+          <a:chOff x="0" y="0"/>
+          <a:chExt cx="0" cy="0"/>
+        </a:xfrm>
+      </p:grpSpPr>
+      <p:sp>
+        <p:nvSpPr>
+          <p:cNvPr id="44" name="Google Shape;44;g35f391192_00:notes"/>
+          <p:cNvSpPr>
+            <a:spLocks noGrp="1" noRot="1" noChangeAspect="1"/>
+          </p:cNvSpPr>
+          <p:nvPr>
+            <p:ph type="sldImg" idx="2"/>
+          </p:nvPr>
+        </p:nvSpPr>
+        <p:spPr>
+          <a:xfrm>
+            <a:off x="381000" y="685800"/>
+            <a:ext cx="6096000" cy="3429000"/>
+          </a:xfrm>
+          <a:custGeom>
+            <a:avLst/>
+            <a:gdLst/>
+            <a:ahLst/>
+            <a:cxnLst/>
+            <a:rect l="l" t="t" r="r" b="b"/>
+            <a:pathLst>
+              <a:path w="120000" h="120000" extrusionOk="0">
+                <a:moveTo>
+                  <a:pt x="0" y="0"/>
+                </a:moveTo>
+                <a:lnTo>
+                  <a:pt x="120000" y="0"/>
+                </a:lnTo>
+                <a:lnTo>
+                  <a:pt x="120000" y="120000"/>
+                </a:lnTo>
+                <a:lnTo>
+                  <a:pt x="0" y="120000"/>
+                </a:lnTo>
+                <a:close/>
+              </a:path>
+            </a:pathLst>
+          </a:custGeom>
+        </p:spPr>
+      </p:sp>
+      <p:sp>
+        <p:nvSpPr>
+          <p:cNvPr id="45" name="Google Shape;45;g35f391192_00:notes"/>
+          <p:cNvSpPr txBox="1">
+            <a:spLocks noGrp="1"/>
+          </p:cNvSpPr>
+          <p:nvPr>
+            <p:ph type="body" idx="1"/>
+          </p:nvPr>
+        </p:nvSpPr>
+        <p:spPr>
+          <a:xfrm>
+            <a:off x="685800" y="4343400"/>
+            <a:ext cx="5486400" cy="4114800"/>
+          </a:xfrm>
+          <a:prstGeom prst="rect">
+            <a:avLst/>
+          </a:prstGeom>
+        </p:spPr>
+        <p:txBody>
+          <a:bodyPr spcFirstLastPara="1" wrap="square" lIns="91425" tIns="91425" rIns="91425" bIns="91425" anchor="t" anchorCtr="0">
+            <a:noAutofit/>
+          </a:bodyPr>
+          <a:lstStyle/>
+          <a:p>
+            <a:pPr marL="0" lvl="0" indent="0" algn="l" rtl="0">
+              <a:spcBef>
+                <a:spcPts val="0"/>
+              </a:spcBef>
+              <a:spcAft>
+                <a:spcPts val="0"/>
+              </a:spcAft>
+              <a:buNone/>
+            </a:pPr>
+            <a:endParaRPr/>
+          </a:p>
+        </p:txBody>
+      </p:sp>
+    </p:spTree>
+    <p:extLst>
+      <p:ext uri="{BB962C8B-B14F-4D97-AF65-F5344CB8AC3E}">
         <p14:creationId xmlns:p14="http://schemas.microsoft.com/office/powerpoint/2010/main" val="2740222840"/>
       </p:ext>
     </p:extLst>
@@ -1049,7 +1274,7 @@
 </p:notes>
 </file>
 
-<file path=ppt/notesSlides/notesSlide12.xml><?xml version="1.0" encoding="utf-8"?>
+<file path=ppt/notesSlides/notesSlide14.xml><?xml version="1.0" encoding="utf-8"?>
 <p:notes xmlns:a="http://schemas.openxmlformats.org/drawingml/2006/main" xmlns:r="http://schemas.openxmlformats.org/officeDocument/2006/relationships" xmlns:p="http://schemas.openxmlformats.org/presentationml/2006/main" showMasterSp="0" showMasterPhAnim="0">
   <p:cSld>
     <p:spTree>
@@ -4016,7 +4241,7 @@
         <p:spPr>
           <a:xfrm>
             <a:off x="464718" y="1215147"/>
-            <a:ext cx="7909848" cy="400110"/>
+            <a:ext cx="8233512" cy="400110"/>
           </a:xfrm>
           <a:prstGeom prst="rect">
             <a:avLst/>
@@ -4048,7 +4273,7 @@
                   <a:srgbClr val="C0EC78"/>
                 </a:solidFill>
                 <a:effectLst/>
-                <a:latin typeface="Sitka Banner" panose="02000505000000020004" pitchFamily="2" charset="0"/>
+                <a:latin typeface="Sitka Text Semibold" panose="020B0604020202020204" pitchFamily="2" charset="0"/>
                 <a:ea typeface="Cambria Math" panose="02040503050406030204" pitchFamily="18" charset="0"/>
                 <a:cs typeface="Arial" panose="020B0604020202020204" pitchFamily="34" charset="0"/>
               </a:rPr>
@@ -4059,29 +4284,18 @@
                 <a:solidFill>
                   <a:srgbClr val="C0EC78"/>
                 </a:solidFill>
-                <a:latin typeface="Sitka Banner" panose="02000505000000020004" pitchFamily="2" charset="0"/>
+                <a:latin typeface="Sitka Text Semibold" panose="020B0604020202020204" pitchFamily="2" charset="0"/>
                 <a:ea typeface="Cambria Math" panose="02040503050406030204" pitchFamily="18" charset="0"/>
                 <a:cs typeface="Arial" panose="020B0604020202020204" pitchFamily="34" charset="0"/>
               </a:rPr>
-              <a:t>  Testing Ciphertext: </a:t>
-            </a:r>
-            <a:r>
-              <a:rPr lang="en-US" sz="2000" b="1" dirty="0">
-                <a:solidFill>
-                  <a:srgbClr val="C0EC78"/>
-                </a:solidFill>
-                <a:latin typeface="Sitka Banner Semibold" pitchFamily="2" charset="0"/>
-                <a:ea typeface="Cambria Math" panose="02040503050406030204" pitchFamily="18" charset="0"/>
-                <a:cs typeface="Arial" panose="020B0604020202020204" pitchFamily="34" charset="0"/>
-              </a:rPr>
-              <a:t>The Sorrows of Young Werther | Goethe</a:t>
+              <a:t>  Testing Ciphertext: The Sorrows of Young Werther | Goethe</a:t>
             </a:r>
             <a:endParaRPr lang="en-US" sz="2000" dirty="0">
               <a:solidFill>
                 <a:srgbClr val="C0EC78"/>
               </a:solidFill>
               <a:effectLst/>
-              <a:latin typeface="Sitka Banner Semibold" pitchFamily="2" charset="0"/>
+              <a:latin typeface="Sitka Text Semibold" panose="020B0604020202020204" pitchFamily="2" charset="0"/>
               <a:ea typeface="Cambria Math" panose="02040503050406030204" pitchFamily="18" charset="0"/>
               <a:cs typeface="Arial" panose="020B0604020202020204" pitchFamily="34" charset="0"/>
             </a:endParaRPr>
@@ -4861,6 +5075,1346 @@
       </p:grpSpPr>
       <p:sp>
         <p:nvSpPr>
+          <p:cNvPr id="6" name="TextBox 5">
+            <a:extLst>
+              <a:ext uri="{FF2B5EF4-FFF2-40B4-BE49-F238E27FC236}">
+                <a16:creationId xmlns:a16="http://schemas.microsoft.com/office/drawing/2014/main" id="{56C4A42A-1773-6FC9-0265-A76C6EE8D8AC}"/>
+              </a:ext>
+            </a:extLst>
+          </p:cNvPr>
+          <p:cNvSpPr txBox="1"/>
+          <p:nvPr/>
+        </p:nvSpPr>
+        <p:spPr>
+          <a:xfrm>
+            <a:off x="261767" y="332336"/>
+            <a:ext cx="5094004" cy="584775"/>
+          </a:xfrm>
+          <a:prstGeom prst="rect">
+            <a:avLst/>
+          </a:prstGeom>
+          <a:noFill/>
+        </p:spPr>
+        <p:txBody>
+          <a:bodyPr wrap="square">
+            <a:spAutoFit/>
+          </a:bodyPr>
+          <a:lstStyle/>
+          <a:p>
+            <a:r>
+              <a:rPr lang="en-US" sz="3200" b="1" dirty="0">
+                <a:solidFill>
+                  <a:schemeClr val="bg1"/>
+                </a:solidFill>
+                <a:effectLst/>
+                <a:latin typeface="Sitka Banner Semibold" pitchFamily="2" charset="0"/>
+                <a:ea typeface="Cambria Math" panose="02040503050406030204" pitchFamily="18" charset="0"/>
+                <a:cs typeface="Arial" panose="020B0604020202020204" pitchFamily="34" charset="0"/>
+              </a:rPr>
+              <a:t>Feature Diagrams &amp; Outputs</a:t>
+            </a:r>
+            <a:endParaRPr lang="en-US" sz="4400" dirty="0">
+              <a:solidFill>
+                <a:schemeClr val="bg1"/>
+              </a:solidFill>
+              <a:effectLst/>
+              <a:latin typeface="Sitka Banner" panose="02000505000000020004" pitchFamily="2" charset="0"/>
+              <a:ea typeface="Cambria Math" panose="02040503050406030204" pitchFamily="18" charset="0"/>
+              <a:cs typeface="Arial" panose="020B0604020202020204" pitchFamily="34" charset="0"/>
+            </a:endParaRPr>
+          </a:p>
+        </p:txBody>
+      </p:sp>
+      <p:pic>
+        <p:nvPicPr>
+          <p:cNvPr id="1026" name="Picture 2">
+            <a:extLst>
+              <a:ext uri="{FF2B5EF4-FFF2-40B4-BE49-F238E27FC236}">
+                <a16:creationId xmlns:a16="http://schemas.microsoft.com/office/drawing/2014/main" id="{90CB8610-7356-2CDE-0E55-45A007C8D865}"/>
+              </a:ext>
+            </a:extLst>
+          </p:cNvPr>
+          <p:cNvPicPr>
+            <a:picLocks noChangeAspect="1" noChangeArrowheads="1"/>
+          </p:cNvPicPr>
+          <p:nvPr/>
+        </p:nvPicPr>
+        <p:blipFill rotWithShape="1">
+          <a:blip r:embed="rId3">
+            <a:extLst>
+              <a:ext uri="{28A0092B-C50C-407E-A947-70E740481C1C}">
+                <a14:useLocalDpi xmlns:a14="http://schemas.microsoft.com/office/drawing/2010/main" val="0"/>
+              </a:ext>
+            </a:extLst>
+          </a:blip>
+          <a:srcRect r="430" b="75274"/>
+          <a:stretch/>
+        </p:blipFill>
+        <p:spPr bwMode="auto">
+          <a:xfrm>
+            <a:off x="367975" y="1707796"/>
+            <a:ext cx="6268972" cy="1034456"/>
+          </a:xfrm>
+          <a:prstGeom prst="rect">
+            <a:avLst/>
+          </a:prstGeom>
+          <a:noFill/>
+          <a:extLst>
+            <a:ext uri="{909E8E84-426E-40DD-AFC4-6F175D3DCCD1}">
+              <a14:hiddenFill xmlns:a14="http://schemas.microsoft.com/office/drawing/2010/main">
+                <a:solidFill>
+                  <a:srgbClr val="FFFFFF"/>
+                </a:solidFill>
+              </a14:hiddenFill>
+            </a:ext>
+          </a:extLst>
+        </p:spPr>
+      </p:pic>
+      <p:pic>
+        <p:nvPicPr>
+          <p:cNvPr id="2" name="Picture 2">
+            <a:extLst>
+              <a:ext uri="{FF2B5EF4-FFF2-40B4-BE49-F238E27FC236}">
+                <a16:creationId xmlns:a16="http://schemas.microsoft.com/office/drawing/2014/main" id="{40E72857-D878-01FF-3EB9-FB188DBEF647}"/>
+              </a:ext>
+            </a:extLst>
+          </p:cNvPr>
+          <p:cNvPicPr>
+            <a:picLocks noChangeAspect="1" noChangeArrowheads="1"/>
+          </p:cNvPicPr>
+          <p:nvPr/>
+        </p:nvPicPr>
+        <p:blipFill rotWithShape="1">
+          <a:blip r:embed="rId3">
+            <a:extLst>
+              <a:ext uri="{28A0092B-C50C-407E-A947-70E740481C1C}">
+                <a14:useLocalDpi xmlns:a14="http://schemas.microsoft.com/office/drawing/2010/main" val="0"/>
+              </a:ext>
+            </a:extLst>
+          </a:blip>
+          <a:srcRect t="24726" r="66161" b="50548"/>
+          <a:stretch/>
+        </p:blipFill>
+        <p:spPr bwMode="auto">
+          <a:xfrm>
+            <a:off x="6636946" y="1707796"/>
+            <a:ext cx="2130511" cy="1034456"/>
+          </a:xfrm>
+          <a:prstGeom prst="rect">
+            <a:avLst/>
+          </a:prstGeom>
+          <a:noFill/>
+          <a:extLst>
+            <a:ext uri="{909E8E84-426E-40DD-AFC4-6F175D3DCCD1}">
+              <a14:hiddenFill xmlns:a14="http://schemas.microsoft.com/office/drawing/2010/main">
+                <a:solidFill>
+                  <a:srgbClr val="FFFFFF"/>
+                </a:solidFill>
+              </a14:hiddenFill>
+            </a:ext>
+          </a:extLst>
+        </p:spPr>
+      </p:pic>
+      <p:pic>
+        <p:nvPicPr>
+          <p:cNvPr id="9" name="Picture 2">
+            <a:extLst>
+              <a:ext uri="{FF2B5EF4-FFF2-40B4-BE49-F238E27FC236}">
+                <a16:creationId xmlns:a16="http://schemas.microsoft.com/office/drawing/2014/main" id="{D1F7B380-E062-5C6F-9CDB-7C637287551A}"/>
+              </a:ext>
+            </a:extLst>
+          </p:cNvPr>
+          <p:cNvPicPr>
+            <a:picLocks noChangeAspect="1" noChangeArrowheads="1"/>
+          </p:cNvPicPr>
+          <p:nvPr/>
+        </p:nvPicPr>
+        <p:blipFill rotWithShape="1">
+          <a:blip r:embed="rId3">
+            <a:extLst>
+              <a:ext uri="{28A0092B-C50C-407E-A947-70E740481C1C}">
+                <a14:useLocalDpi xmlns:a14="http://schemas.microsoft.com/office/drawing/2010/main" val="0"/>
+              </a:ext>
+            </a:extLst>
+          </a:blip>
+          <a:srcRect l="33883" t="24726" r="22" b="50548"/>
+          <a:stretch/>
+        </p:blipFill>
+        <p:spPr bwMode="auto">
+          <a:xfrm>
+            <a:off x="367975" y="2742252"/>
+            <a:ext cx="4161388" cy="1034456"/>
+          </a:xfrm>
+          <a:prstGeom prst="rect">
+            <a:avLst/>
+          </a:prstGeom>
+          <a:noFill/>
+          <a:extLst>
+            <a:ext uri="{909E8E84-426E-40DD-AFC4-6F175D3DCCD1}">
+              <a14:hiddenFill xmlns:a14="http://schemas.microsoft.com/office/drawing/2010/main">
+                <a:solidFill>
+                  <a:srgbClr val="FFFFFF"/>
+                </a:solidFill>
+              </a14:hiddenFill>
+            </a:ext>
+          </a:extLst>
+        </p:spPr>
+      </p:pic>
+      <p:pic>
+        <p:nvPicPr>
+          <p:cNvPr id="11" name="Picture 2">
+            <a:extLst>
+              <a:ext uri="{FF2B5EF4-FFF2-40B4-BE49-F238E27FC236}">
+                <a16:creationId xmlns:a16="http://schemas.microsoft.com/office/drawing/2014/main" id="{AB7F977B-669B-FCE9-0ACF-4F3C22762F0F}"/>
+              </a:ext>
+            </a:extLst>
+          </p:cNvPr>
+          <p:cNvPicPr>
+            <a:picLocks noChangeAspect="1" noChangeArrowheads="1"/>
+          </p:cNvPicPr>
+          <p:nvPr/>
+        </p:nvPicPr>
+        <p:blipFill rotWithShape="1">
+          <a:blip r:embed="rId3">
+            <a:extLst>
+              <a:ext uri="{28A0092B-C50C-407E-A947-70E740481C1C}">
+                <a14:useLocalDpi xmlns:a14="http://schemas.microsoft.com/office/drawing/2010/main" val="0"/>
+              </a:ext>
+            </a:extLst>
+          </a:blip>
+          <a:srcRect t="49453" r="32528" b="25821"/>
+          <a:stretch/>
+        </p:blipFill>
+        <p:spPr bwMode="auto">
+          <a:xfrm>
+            <a:off x="4519315" y="2742252"/>
+            <a:ext cx="4248142" cy="1034456"/>
+          </a:xfrm>
+          <a:prstGeom prst="rect">
+            <a:avLst/>
+          </a:prstGeom>
+          <a:noFill/>
+          <a:extLst>
+            <a:ext uri="{909E8E84-426E-40DD-AFC4-6F175D3DCCD1}">
+              <a14:hiddenFill xmlns:a14="http://schemas.microsoft.com/office/drawing/2010/main">
+                <a:solidFill>
+                  <a:srgbClr val="FFFFFF"/>
+                </a:solidFill>
+              </a14:hiddenFill>
+            </a:ext>
+          </a:extLst>
+        </p:spPr>
+      </p:pic>
+      <p:pic>
+        <p:nvPicPr>
+          <p:cNvPr id="12" name="Picture 2">
+            <a:extLst>
+              <a:ext uri="{FF2B5EF4-FFF2-40B4-BE49-F238E27FC236}">
+                <a16:creationId xmlns:a16="http://schemas.microsoft.com/office/drawing/2014/main" id="{A2B198F0-DD26-6921-FD49-873E9737C38C}"/>
+              </a:ext>
+            </a:extLst>
+          </p:cNvPr>
+          <p:cNvPicPr>
+            <a:picLocks noChangeAspect="1" noChangeArrowheads="1"/>
+          </p:cNvPicPr>
+          <p:nvPr/>
+        </p:nvPicPr>
+        <p:blipFill rotWithShape="1">
+          <a:blip r:embed="rId3">
+            <a:extLst>
+              <a:ext uri="{28A0092B-C50C-407E-A947-70E740481C1C}">
+                <a14:useLocalDpi xmlns:a14="http://schemas.microsoft.com/office/drawing/2010/main" val="0"/>
+              </a:ext>
+            </a:extLst>
+          </a:blip>
+          <a:srcRect l="67256" t="49453" b="25821"/>
+          <a:stretch/>
+        </p:blipFill>
+        <p:spPr bwMode="auto">
+          <a:xfrm>
+            <a:off x="367975" y="3776708"/>
+            <a:ext cx="2061574" cy="1034456"/>
+          </a:xfrm>
+          <a:prstGeom prst="rect">
+            <a:avLst/>
+          </a:prstGeom>
+          <a:noFill/>
+          <a:extLst>
+            <a:ext uri="{909E8E84-426E-40DD-AFC4-6F175D3DCCD1}">
+              <a14:hiddenFill xmlns:a14="http://schemas.microsoft.com/office/drawing/2010/main">
+                <a:solidFill>
+                  <a:srgbClr val="FFFFFF"/>
+                </a:solidFill>
+              </a14:hiddenFill>
+            </a:ext>
+          </a:extLst>
+        </p:spPr>
+      </p:pic>
+      <p:pic>
+        <p:nvPicPr>
+          <p:cNvPr id="13" name="Picture 2">
+            <a:extLst>
+              <a:ext uri="{FF2B5EF4-FFF2-40B4-BE49-F238E27FC236}">
+                <a16:creationId xmlns:a16="http://schemas.microsoft.com/office/drawing/2014/main" id="{74103BC6-704A-A3F3-D136-EAC9F864C4B4}"/>
+              </a:ext>
+            </a:extLst>
+          </p:cNvPr>
+          <p:cNvPicPr>
+            <a:picLocks noChangeAspect="1" noChangeArrowheads="1"/>
+          </p:cNvPicPr>
+          <p:nvPr/>
+        </p:nvPicPr>
+        <p:blipFill rotWithShape="1">
+          <a:blip r:embed="rId3">
+            <a:extLst>
+              <a:ext uri="{28A0092B-C50C-407E-A947-70E740481C1C}">
+                <a14:useLocalDpi xmlns:a14="http://schemas.microsoft.com/office/drawing/2010/main" val="0"/>
+              </a:ext>
+            </a:extLst>
+          </a:blip>
+          <a:srcRect t="75274"/>
+          <a:stretch/>
+        </p:blipFill>
+        <p:spPr bwMode="auto">
+          <a:xfrm>
+            <a:off x="2471390" y="3776708"/>
+            <a:ext cx="6296067" cy="1034456"/>
+          </a:xfrm>
+          <a:prstGeom prst="rect">
+            <a:avLst/>
+          </a:prstGeom>
+          <a:noFill/>
+          <a:extLst>
+            <a:ext uri="{909E8E84-426E-40DD-AFC4-6F175D3DCCD1}">
+              <a14:hiddenFill xmlns:a14="http://schemas.microsoft.com/office/drawing/2010/main">
+                <a:solidFill>
+                  <a:srgbClr val="FFFFFF"/>
+                </a:solidFill>
+              </a14:hiddenFill>
+            </a:ext>
+          </a:extLst>
+        </p:spPr>
+      </p:pic>
+      <p:sp>
+        <p:nvSpPr>
+          <p:cNvPr id="14" name="Ορθογώνιο 13">
+            <a:extLst>
+              <a:ext uri="{FF2B5EF4-FFF2-40B4-BE49-F238E27FC236}">
+                <a16:creationId xmlns:a16="http://schemas.microsoft.com/office/drawing/2014/main" id="{73D9378A-765B-7B8B-9E9C-DD98BA872A67}"/>
+              </a:ext>
+            </a:extLst>
+          </p:cNvPr>
+          <p:cNvSpPr/>
+          <p:nvPr/>
+        </p:nvSpPr>
+        <p:spPr>
+          <a:xfrm flipV="1">
+            <a:off x="2411731" y="3776708"/>
+            <a:ext cx="97246" cy="1034456"/>
+          </a:xfrm>
+          <a:prstGeom prst="rect">
+            <a:avLst/>
+          </a:prstGeom>
+          <a:solidFill>
+            <a:schemeClr val="bg1"/>
+          </a:solidFill>
+          <a:ln>
+            <a:noFill/>
+          </a:ln>
+        </p:spPr>
+        <p:style>
+          <a:lnRef idx="2">
+            <a:schemeClr val="accent1">
+              <a:shade val="50000"/>
+            </a:schemeClr>
+          </a:lnRef>
+          <a:fillRef idx="1">
+            <a:schemeClr val="accent1"/>
+          </a:fillRef>
+          <a:effectRef idx="0">
+            <a:schemeClr val="accent1"/>
+          </a:effectRef>
+          <a:fontRef idx="minor">
+            <a:schemeClr val="lt1"/>
+          </a:fontRef>
+        </p:style>
+        <p:txBody>
+          <a:bodyPr rtlCol="0" anchor="ctr"/>
+          <a:lstStyle/>
+          <a:p>
+            <a:pPr algn="ctr"/>
+            <a:endParaRPr lang="el-GR"/>
+          </a:p>
+        </p:txBody>
+      </p:sp>
+      <p:sp>
+        <p:nvSpPr>
+          <p:cNvPr id="15" name="TextBox 14">
+            <a:extLst>
+              <a:ext uri="{FF2B5EF4-FFF2-40B4-BE49-F238E27FC236}">
+                <a16:creationId xmlns:a16="http://schemas.microsoft.com/office/drawing/2014/main" id="{5DFC17B5-E2DC-7133-5596-4D3C04FDEA14}"/>
+              </a:ext>
+            </a:extLst>
+          </p:cNvPr>
+          <p:cNvSpPr txBox="1"/>
+          <p:nvPr/>
+        </p:nvSpPr>
+        <p:spPr>
+          <a:xfrm>
+            <a:off x="261767" y="1112398"/>
+            <a:ext cx="7956403" cy="400110"/>
+          </a:xfrm>
+          <a:prstGeom prst="rect">
+            <a:avLst/>
+          </a:prstGeom>
+          <a:noFill/>
+        </p:spPr>
+        <p:txBody>
+          <a:bodyPr wrap="square">
+            <a:spAutoFit/>
+          </a:bodyPr>
+          <a:lstStyle/>
+          <a:p>
+            <a:pPr lvl="0"/>
+            <a:r>
+              <a:rPr lang="en-US" sz="2000" b="1" dirty="0">
+                <a:solidFill>
+                  <a:srgbClr val="FCDF64"/>
+                </a:solidFill>
+                <a:latin typeface="Sitka Text Semibold" pitchFamily="2" charset="0"/>
+                <a:ea typeface="Cambria Math" panose="02040503050406030204" pitchFamily="18" charset="0"/>
+                <a:cs typeface="Arial" panose="020B0604020202020204" pitchFamily="34" charset="0"/>
+              </a:rPr>
+              <a:t>Training Process: </a:t>
+            </a:r>
+            <a:r>
+              <a:rPr lang="en-US" sz="2000" dirty="0" err="1">
+                <a:solidFill>
+                  <a:schemeClr val="bg1"/>
+                </a:solidFill>
+                <a:latin typeface="Sitka Banner" panose="02000505000000020004" pitchFamily="2" charset="0"/>
+                <a:ea typeface="Cambria Math" panose="02040503050406030204" pitchFamily="18" charset="0"/>
+                <a:cs typeface="Arial" panose="020B0604020202020204" pitchFamily="34" charset="0"/>
+              </a:rPr>
+              <a:t>a,b,c</a:t>
+            </a:r>
+            <a:r>
+              <a:rPr lang="en-US" sz="2000" dirty="0">
+                <a:solidFill>
+                  <a:schemeClr val="bg1"/>
+                </a:solidFill>
+                <a:latin typeface="Sitka Banner" panose="02000505000000020004" pitchFamily="2" charset="0"/>
+                <a:ea typeface="Cambria Math" panose="02040503050406030204" pitchFamily="18" charset="0"/>
+                <a:cs typeface="Arial" panose="020B0604020202020204" pitchFamily="34" charset="0"/>
+              </a:rPr>
+              <a:t>,...,z refer to the real-letters of the English alphabet.  </a:t>
+            </a:r>
+            <a:endParaRPr lang="en-US" sz="2000" dirty="0">
+              <a:solidFill>
+                <a:schemeClr val="bg1"/>
+              </a:solidFill>
+              <a:effectLst/>
+              <a:latin typeface="Sitka Banner" panose="02000505000000020004" pitchFamily="2" charset="0"/>
+              <a:ea typeface="Cambria Math" panose="02040503050406030204" pitchFamily="18" charset="0"/>
+              <a:cs typeface="Arial" panose="020B0604020202020204" pitchFamily="34" charset="0"/>
+            </a:endParaRPr>
+          </a:p>
+        </p:txBody>
+      </p:sp>
+    </p:spTree>
+    <p:extLst>
+      <p:ext uri="{BB962C8B-B14F-4D97-AF65-F5344CB8AC3E}">
+        <p14:creationId xmlns:p14="http://schemas.microsoft.com/office/powerpoint/2010/main" val="646360440"/>
+      </p:ext>
+    </p:extLst>
+  </p:cSld>
+  <p:clrMapOvr>
+    <a:masterClrMapping/>
+  </p:clrMapOvr>
+  <p:transition spd="slow">
+    <p:push dir="u"/>
+  </p:transition>
+</p:sld>
+</file>
+
+<file path=ppt/slides/slide12.xml><?xml version="1.0" encoding="utf-8"?>
+<p:sld xmlns:a="http://schemas.openxmlformats.org/drawingml/2006/main" xmlns:r="http://schemas.openxmlformats.org/officeDocument/2006/relationships" xmlns:p="http://schemas.openxmlformats.org/presentationml/2006/main">
+  <p:cSld>
+    <p:spTree>
+      <p:nvGrpSpPr>
+        <p:cNvPr id="1" name="Shape 46"/>
+        <p:cNvGrpSpPr/>
+        <p:nvPr/>
+      </p:nvGrpSpPr>
+      <p:grpSpPr>
+        <a:xfrm>
+          <a:off x="0" y="0"/>
+          <a:ext cx="0" cy="0"/>
+          <a:chOff x="0" y="0"/>
+          <a:chExt cx="0" cy="0"/>
+        </a:xfrm>
+      </p:grpSpPr>
+      <p:sp>
+        <p:nvSpPr>
+          <p:cNvPr id="6" name="TextBox 5">
+            <a:extLst>
+              <a:ext uri="{FF2B5EF4-FFF2-40B4-BE49-F238E27FC236}">
+                <a16:creationId xmlns:a16="http://schemas.microsoft.com/office/drawing/2014/main" id="{56C4A42A-1773-6FC9-0265-A76C6EE8D8AC}"/>
+              </a:ext>
+            </a:extLst>
+          </p:cNvPr>
+          <p:cNvSpPr txBox="1"/>
+          <p:nvPr/>
+        </p:nvSpPr>
+        <p:spPr>
+          <a:xfrm>
+            <a:off x="337071" y="332332"/>
+            <a:ext cx="5023599" cy="584775"/>
+          </a:xfrm>
+          <a:prstGeom prst="rect">
+            <a:avLst/>
+          </a:prstGeom>
+          <a:noFill/>
+        </p:spPr>
+        <p:txBody>
+          <a:bodyPr wrap="square">
+            <a:spAutoFit/>
+          </a:bodyPr>
+          <a:lstStyle/>
+          <a:p>
+            <a:r>
+              <a:rPr lang="en-US" sz="3200" b="1" dirty="0">
+                <a:solidFill>
+                  <a:schemeClr val="bg1"/>
+                </a:solidFill>
+                <a:effectLst/>
+                <a:latin typeface="Sitka Banner Semibold" pitchFamily="2" charset="0"/>
+                <a:ea typeface="Cambria Math" panose="02040503050406030204" pitchFamily="18" charset="0"/>
+                <a:cs typeface="Arial" panose="020B0604020202020204" pitchFamily="34" charset="0"/>
+              </a:rPr>
+              <a:t>Feature Diagrams &amp; Outputs</a:t>
+            </a:r>
+            <a:endParaRPr lang="en-US" sz="4400" dirty="0">
+              <a:solidFill>
+                <a:schemeClr val="bg1"/>
+              </a:solidFill>
+              <a:effectLst/>
+              <a:latin typeface="Sitka Banner" panose="02000505000000020004" pitchFamily="2" charset="0"/>
+              <a:ea typeface="Cambria Math" panose="02040503050406030204" pitchFamily="18" charset="0"/>
+              <a:cs typeface="Arial" panose="020B0604020202020204" pitchFamily="34" charset="0"/>
+            </a:endParaRPr>
+          </a:p>
+        </p:txBody>
+      </p:sp>
+      <p:sp>
+        <p:nvSpPr>
+          <p:cNvPr id="14" name="Ορθογώνιο 13">
+            <a:extLst>
+              <a:ext uri="{FF2B5EF4-FFF2-40B4-BE49-F238E27FC236}">
+                <a16:creationId xmlns:a16="http://schemas.microsoft.com/office/drawing/2014/main" id="{73D9378A-765B-7B8B-9E9C-DD98BA872A67}"/>
+              </a:ext>
+            </a:extLst>
+          </p:cNvPr>
+          <p:cNvSpPr/>
+          <p:nvPr/>
+        </p:nvSpPr>
+        <p:spPr>
+          <a:xfrm flipH="1" flipV="1">
+            <a:off x="8563114" y="3696273"/>
+            <a:ext cx="84324" cy="1034456"/>
+          </a:xfrm>
+          <a:prstGeom prst="rect">
+            <a:avLst/>
+          </a:prstGeom>
+          <a:solidFill>
+            <a:schemeClr val="bg1"/>
+          </a:solidFill>
+          <a:ln>
+            <a:noFill/>
+          </a:ln>
+        </p:spPr>
+        <p:style>
+          <a:lnRef idx="2">
+            <a:schemeClr val="accent1">
+              <a:shade val="50000"/>
+            </a:schemeClr>
+          </a:lnRef>
+          <a:fillRef idx="1">
+            <a:schemeClr val="accent1"/>
+          </a:fillRef>
+          <a:effectRef idx="0">
+            <a:schemeClr val="accent1"/>
+          </a:effectRef>
+          <a:fontRef idx="minor">
+            <a:schemeClr val="lt1"/>
+          </a:fontRef>
+        </p:style>
+        <p:txBody>
+          <a:bodyPr rtlCol="0" anchor="ctr"/>
+          <a:lstStyle/>
+          <a:p>
+            <a:pPr algn="ctr"/>
+            <a:endParaRPr lang="el-GR"/>
+          </a:p>
+        </p:txBody>
+      </p:sp>
+      <p:sp>
+        <p:nvSpPr>
+          <p:cNvPr id="15" name="TextBox 14">
+            <a:extLst>
+              <a:ext uri="{FF2B5EF4-FFF2-40B4-BE49-F238E27FC236}">
+                <a16:creationId xmlns:a16="http://schemas.microsoft.com/office/drawing/2014/main" id="{5DFC17B5-E2DC-7133-5596-4D3C04FDEA14}"/>
+              </a:ext>
+            </a:extLst>
+          </p:cNvPr>
+          <p:cNvSpPr txBox="1"/>
+          <p:nvPr/>
+        </p:nvSpPr>
+        <p:spPr>
+          <a:xfrm>
+            <a:off x="337071" y="1072180"/>
+            <a:ext cx="7956403" cy="400110"/>
+          </a:xfrm>
+          <a:prstGeom prst="rect">
+            <a:avLst/>
+          </a:prstGeom>
+          <a:noFill/>
+        </p:spPr>
+        <p:txBody>
+          <a:bodyPr wrap="square">
+            <a:spAutoFit/>
+          </a:bodyPr>
+          <a:lstStyle/>
+          <a:p>
+            <a:pPr lvl="0"/>
+            <a:r>
+              <a:rPr lang="en-US" sz="2000" b="1" dirty="0">
+                <a:solidFill>
+                  <a:srgbClr val="FCDF64"/>
+                </a:solidFill>
+                <a:latin typeface="Sitka Text Semibold" pitchFamily="2" charset="0"/>
+                <a:ea typeface="Cambria Math" panose="02040503050406030204" pitchFamily="18" charset="0"/>
+                <a:cs typeface="Arial" panose="020B0604020202020204" pitchFamily="34" charset="0"/>
+              </a:rPr>
+              <a:t>Testing Process: </a:t>
+            </a:r>
+            <a:r>
+              <a:rPr lang="en-US" sz="2000" dirty="0" err="1">
+                <a:solidFill>
+                  <a:schemeClr val="bg1"/>
+                </a:solidFill>
+                <a:latin typeface="Sitka Banner" panose="02000505000000020004" pitchFamily="2" charset="0"/>
+                <a:ea typeface="Cambria Math" panose="02040503050406030204" pitchFamily="18" charset="0"/>
+                <a:cs typeface="Arial" panose="020B0604020202020204" pitchFamily="34" charset="0"/>
+              </a:rPr>
+              <a:t>a,b,c</a:t>
+            </a:r>
+            <a:r>
+              <a:rPr lang="en-US" sz="2000" dirty="0">
+                <a:solidFill>
+                  <a:schemeClr val="bg1"/>
+                </a:solidFill>
+                <a:latin typeface="Sitka Banner" panose="02000505000000020004" pitchFamily="2" charset="0"/>
+                <a:ea typeface="Cambria Math" panose="02040503050406030204" pitchFamily="18" charset="0"/>
+                <a:cs typeface="Arial" panose="020B0604020202020204" pitchFamily="34" charset="0"/>
+              </a:rPr>
+              <a:t>,...,z refer to cipher-letters! </a:t>
+            </a:r>
+            <a:endParaRPr lang="en-US" sz="2000" dirty="0">
+              <a:solidFill>
+                <a:schemeClr val="bg1"/>
+              </a:solidFill>
+              <a:effectLst/>
+              <a:latin typeface="Sitka Banner" panose="02000505000000020004" pitchFamily="2" charset="0"/>
+              <a:ea typeface="Cambria Math" panose="02040503050406030204" pitchFamily="18" charset="0"/>
+              <a:cs typeface="Arial" panose="020B0604020202020204" pitchFamily="34" charset="0"/>
+            </a:endParaRPr>
+          </a:p>
+        </p:txBody>
+      </p:sp>
+      <p:pic>
+        <p:nvPicPr>
+          <p:cNvPr id="4" name="Picture 2">
+            <a:extLst>
+              <a:ext uri="{FF2B5EF4-FFF2-40B4-BE49-F238E27FC236}">
+                <a16:creationId xmlns:a16="http://schemas.microsoft.com/office/drawing/2014/main" id="{40E5EB2D-D470-8F8E-2ACB-2F5D63D4B653}"/>
+              </a:ext>
+            </a:extLst>
+          </p:cNvPr>
+          <p:cNvPicPr>
+            <a:picLocks noChangeAspect="1" noChangeArrowheads="1"/>
+          </p:cNvPicPr>
+          <p:nvPr/>
+        </p:nvPicPr>
+        <p:blipFill rotWithShape="1">
+          <a:blip r:embed="rId3">
+            <a:extLst>
+              <a:ext uri="{28A0092B-C50C-407E-A947-70E740481C1C}">
+                <a14:useLocalDpi xmlns:a14="http://schemas.microsoft.com/office/drawing/2010/main" val="0"/>
+              </a:ext>
+            </a:extLst>
+          </a:blip>
+          <a:srcRect b="74595"/>
+          <a:stretch/>
+        </p:blipFill>
+        <p:spPr bwMode="auto">
+          <a:xfrm>
+            <a:off x="464780" y="1627363"/>
+            <a:ext cx="6127818" cy="1034456"/>
+          </a:xfrm>
+          <a:prstGeom prst="rect">
+            <a:avLst/>
+          </a:prstGeom>
+          <a:noFill/>
+          <a:extLst>
+            <a:ext uri="{909E8E84-426E-40DD-AFC4-6F175D3DCCD1}">
+              <a14:hiddenFill xmlns:a14="http://schemas.microsoft.com/office/drawing/2010/main">
+                <a:solidFill>
+                  <a:srgbClr val="FFFFFF"/>
+                </a:solidFill>
+              </a14:hiddenFill>
+            </a:ext>
+          </a:extLst>
+        </p:spPr>
+      </p:pic>
+      <p:pic>
+        <p:nvPicPr>
+          <p:cNvPr id="7" name="Picture 2">
+            <a:extLst>
+              <a:ext uri="{FF2B5EF4-FFF2-40B4-BE49-F238E27FC236}">
+                <a16:creationId xmlns:a16="http://schemas.microsoft.com/office/drawing/2014/main" id="{AB2BBAF2-8E3A-6E55-45C3-290E1E12068C}"/>
+              </a:ext>
+            </a:extLst>
+          </p:cNvPr>
+          <p:cNvPicPr>
+            <a:picLocks noChangeAspect="1" noChangeArrowheads="1"/>
+          </p:cNvPicPr>
+          <p:nvPr/>
+        </p:nvPicPr>
+        <p:blipFill rotWithShape="1">
+          <a:blip r:embed="rId3">
+            <a:extLst>
+              <a:ext uri="{28A0092B-C50C-407E-A947-70E740481C1C}">
+                <a14:useLocalDpi xmlns:a14="http://schemas.microsoft.com/office/drawing/2010/main" val="0"/>
+              </a:ext>
+            </a:extLst>
+          </a:blip>
+          <a:srcRect t="25405" r="66260" b="49189"/>
+          <a:stretch/>
+        </p:blipFill>
+        <p:spPr bwMode="auto">
+          <a:xfrm>
+            <a:off x="6579580" y="1627361"/>
+            <a:ext cx="2067547" cy="1034457"/>
+          </a:xfrm>
+          <a:prstGeom prst="rect">
+            <a:avLst/>
+          </a:prstGeom>
+          <a:noFill/>
+          <a:extLst>
+            <a:ext uri="{909E8E84-426E-40DD-AFC4-6F175D3DCCD1}">
+              <a14:hiddenFill xmlns:a14="http://schemas.microsoft.com/office/drawing/2010/main">
+                <a:solidFill>
+                  <a:srgbClr val="FFFFFF"/>
+                </a:solidFill>
+              </a14:hiddenFill>
+            </a:ext>
+          </a:extLst>
+        </p:spPr>
+      </p:pic>
+      <p:pic>
+        <p:nvPicPr>
+          <p:cNvPr id="8" name="Picture 2">
+            <a:extLst>
+              <a:ext uri="{FF2B5EF4-FFF2-40B4-BE49-F238E27FC236}">
+                <a16:creationId xmlns:a16="http://schemas.microsoft.com/office/drawing/2014/main" id="{8F2ADB00-DBC8-84F2-5EC3-A44661E03944}"/>
+              </a:ext>
+            </a:extLst>
+          </p:cNvPr>
+          <p:cNvPicPr>
+            <a:picLocks noChangeAspect="1" noChangeArrowheads="1"/>
+          </p:cNvPicPr>
+          <p:nvPr/>
+        </p:nvPicPr>
+        <p:blipFill rotWithShape="1">
+          <a:blip r:embed="rId3">
+            <a:extLst>
+              <a:ext uri="{28A0092B-C50C-407E-A947-70E740481C1C}">
+                <a14:useLocalDpi xmlns:a14="http://schemas.microsoft.com/office/drawing/2010/main" val="0"/>
+              </a:ext>
+            </a:extLst>
+          </a:blip>
+          <a:srcRect l="33528" t="23986" b="50609"/>
+          <a:stretch/>
+        </p:blipFill>
+        <p:spPr bwMode="auto">
+          <a:xfrm>
+            <a:off x="464780" y="2661819"/>
+            <a:ext cx="4073290" cy="1034456"/>
+          </a:xfrm>
+          <a:prstGeom prst="rect">
+            <a:avLst/>
+          </a:prstGeom>
+          <a:noFill/>
+          <a:extLst>
+            <a:ext uri="{909E8E84-426E-40DD-AFC4-6F175D3DCCD1}">
+              <a14:hiddenFill xmlns:a14="http://schemas.microsoft.com/office/drawing/2010/main">
+                <a:solidFill>
+                  <a:srgbClr val="FFFFFF"/>
+                </a:solidFill>
+              </a14:hiddenFill>
+            </a:ext>
+          </a:extLst>
+        </p:spPr>
+      </p:pic>
+      <p:pic>
+        <p:nvPicPr>
+          <p:cNvPr id="10" name="Picture 2">
+            <a:extLst>
+              <a:ext uri="{FF2B5EF4-FFF2-40B4-BE49-F238E27FC236}">
+                <a16:creationId xmlns:a16="http://schemas.microsoft.com/office/drawing/2014/main" id="{67ACAE5A-7AB0-A288-7786-34AD43EA44B9}"/>
+              </a:ext>
+            </a:extLst>
+          </p:cNvPr>
+          <p:cNvPicPr>
+            <a:picLocks noChangeAspect="1" noChangeArrowheads="1"/>
+          </p:cNvPicPr>
+          <p:nvPr/>
+        </p:nvPicPr>
+        <p:blipFill rotWithShape="1">
+          <a:blip r:embed="rId3">
+            <a:extLst>
+              <a:ext uri="{28A0092B-C50C-407E-A947-70E740481C1C}">
+                <a14:useLocalDpi xmlns:a14="http://schemas.microsoft.com/office/drawing/2010/main" val="0"/>
+              </a:ext>
+            </a:extLst>
+          </a:blip>
+          <a:srcRect l="1" t="49335" r="32502" b="25259"/>
+          <a:stretch/>
+        </p:blipFill>
+        <p:spPr bwMode="auto">
+          <a:xfrm>
+            <a:off x="4511009" y="2661819"/>
+            <a:ext cx="4136117" cy="1034456"/>
+          </a:xfrm>
+          <a:prstGeom prst="rect">
+            <a:avLst/>
+          </a:prstGeom>
+          <a:noFill/>
+          <a:extLst>
+            <a:ext uri="{909E8E84-426E-40DD-AFC4-6F175D3DCCD1}">
+              <a14:hiddenFill xmlns:a14="http://schemas.microsoft.com/office/drawing/2010/main">
+                <a:solidFill>
+                  <a:srgbClr val="FFFFFF"/>
+                </a:solidFill>
+              </a14:hiddenFill>
+            </a:ext>
+          </a:extLst>
+        </p:spPr>
+      </p:pic>
+      <p:pic>
+        <p:nvPicPr>
+          <p:cNvPr id="16" name="Picture 2">
+            <a:extLst>
+              <a:ext uri="{FF2B5EF4-FFF2-40B4-BE49-F238E27FC236}">
+                <a16:creationId xmlns:a16="http://schemas.microsoft.com/office/drawing/2014/main" id="{3DDE7EAB-E610-546A-85E2-585B1F71A6B1}"/>
+              </a:ext>
+            </a:extLst>
+          </p:cNvPr>
+          <p:cNvPicPr>
+            <a:picLocks noChangeAspect="1" noChangeArrowheads="1"/>
+          </p:cNvPicPr>
+          <p:nvPr/>
+        </p:nvPicPr>
+        <p:blipFill rotWithShape="1">
+          <a:blip r:embed="rId3">
+            <a:extLst>
+              <a:ext uri="{28A0092B-C50C-407E-A947-70E740481C1C}">
+                <a14:useLocalDpi xmlns:a14="http://schemas.microsoft.com/office/drawing/2010/main" val="0"/>
+              </a:ext>
+            </a:extLst>
+          </a:blip>
+          <a:srcRect l="66764" t="49449" b="25146"/>
+          <a:stretch/>
+        </p:blipFill>
+        <p:spPr bwMode="auto">
+          <a:xfrm>
+            <a:off x="464780" y="3696274"/>
+            <a:ext cx="2036645" cy="1034455"/>
+          </a:xfrm>
+          <a:prstGeom prst="rect">
+            <a:avLst/>
+          </a:prstGeom>
+          <a:noFill/>
+          <a:extLst>
+            <a:ext uri="{909E8E84-426E-40DD-AFC4-6F175D3DCCD1}">
+              <a14:hiddenFill xmlns:a14="http://schemas.microsoft.com/office/drawing/2010/main">
+                <a:solidFill>
+                  <a:srgbClr val="FFFFFF"/>
+                </a:solidFill>
+              </a14:hiddenFill>
+            </a:ext>
+          </a:extLst>
+        </p:spPr>
+      </p:pic>
+      <p:pic>
+        <p:nvPicPr>
+          <p:cNvPr id="17" name="Picture 2">
+            <a:extLst>
+              <a:ext uri="{FF2B5EF4-FFF2-40B4-BE49-F238E27FC236}">
+                <a16:creationId xmlns:a16="http://schemas.microsoft.com/office/drawing/2014/main" id="{7C34378C-4524-2A99-531A-BB27B074D3AB}"/>
+              </a:ext>
+            </a:extLst>
+          </p:cNvPr>
+          <p:cNvPicPr>
+            <a:picLocks noChangeAspect="1" noChangeArrowheads="1"/>
+          </p:cNvPicPr>
+          <p:nvPr/>
+        </p:nvPicPr>
+        <p:blipFill rotWithShape="1">
+          <a:blip r:embed="rId3">
+            <a:extLst>
+              <a:ext uri="{28A0092B-C50C-407E-A947-70E740481C1C}">
+                <a14:useLocalDpi xmlns:a14="http://schemas.microsoft.com/office/drawing/2010/main" val="0"/>
+              </a:ext>
+            </a:extLst>
+          </a:blip>
+          <a:srcRect t="74617" b="-23"/>
+          <a:stretch/>
+        </p:blipFill>
+        <p:spPr bwMode="auto">
+          <a:xfrm>
+            <a:off x="2501425" y="3696274"/>
+            <a:ext cx="6127818" cy="1034455"/>
+          </a:xfrm>
+          <a:prstGeom prst="rect">
+            <a:avLst/>
+          </a:prstGeom>
+          <a:noFill/>
+          <a:extLst>
+            <a:ext uri="{909E8E84-426E-40DD-AFC4-6F175D3DCCD1}">
+              <a14:hiddenFill xmlns:a14="http://schemas.microsoft.com/office/drawing/2010/main">
+                <a:solidFill>
+                  <a:srgbClr val="FFFFFF"/>
+                </a:solidFill>
+              </a14:hiddenFill>
+            </a:ext>
+          </a:extLst>
+        </p:spPr>
+      </p:pic>
+      <p:sp>
+        <p:nvSpPr>
+          <p:cNvPr id="21" name="TextBox 20">
+            <a:extLst>
+              <a:ext uri="{FF2B5EF4-FFF2-40B4-BE49-F238E27FC236}">
+                <a16:creationId xmlns:a16="http://schemas.microsoft.com/office/drawing/2014/main" id="{C5FDE762-F3D9-36FB-E5AB-45DEAF0773A9}"/>
+              </a:ext>
+            </a:extLst>
+          </p:cNvPr>
+          <p:cNvSpPr txBox="1"/>
+          <p:nvPr/>
+        </p:nvSpPr>
+        <p:spPr>
+          <a:xfrm>
+            <a:off x="5988149" y="476238"/>
+            <a:ext cx="657634" cy="276999"/>
+          </a:xfrm>
+          <a:prstGeom prst="rect">
+            <a:avLst/>
+          </a:prstGeom>
+          <a:noFill/>
+        </p:spPr>
+        <p:txBody>
+          <a:bodyPr wrap="square">
+            <a:spAutoFit/>
+          </a:bodyPr>
+          <a:lstStyle/>
+          <a:p>
+            <a:pPr lvl="0"/>
+            <a:r>
+              <a:rPr lang="en-US" sz="1200" dirty="0">
+                <a:solidFill>
+                  <a:srgbClr val="FCDF64"/>
+                </a:solidFill>
+                <a:latin typeface="Sitka Text Semibold" pitchFamily="2" charset="0"/>
+                <a:ea typeface="Cambria Math" panose="02040503050406030204" pitchFamily="18" charset="0"/>
+                <a:cs typeface="Arial" panose="020B0604020202020204" pitchFamily="34" charset="0"/>
+              </a:rPr>
+              <a:t>PDK:</a:t>
+            </a:r>
+            <a:endParaRPr lang="el-GR" sz="1200" dirty="0">
+              <a:solidFill>
+                <a:srgbClr val="FCDF64"/>
+              </a:solidFill>
+              <a:effectLst/>
+              <a:latin typeface="Sitka Text Semibold" pitchFamily="2" charset="0"/>
+              <a:ea typeface="Cambria Math" panose="02040503050406030204" pitchFamily="18" charset="0"/>
+              <a:cs typeface="Arial" panose="020B0604020202020204" pitchFamily="34" charset="0"/>
+            </a:endParaRPr>
+          </a:p>
+        </p:txBody>
+      </p:sp>
+      <p:pic>
+        <p:nvPicPr>
+          <p:cNvPr id="25" name="Εικόνα 24" descr="Εικόνα που περιέχει κείμενο, οθόνη, μαύρο, στιγμιότυπο οθόνης&#10;&#10;Περιγραφή που δημιουργήθηκε αυτόματα">
+            <a:extLst>
+              <a:ext uri="{FF2B5EF4-FFF2-40B4-BE49-F238E27FC236}">
+                <a16:creationId xmlns:a16="http://schemas.microsoft.com/office/drawing/2014/main" id="{D0295FF9-B204-97E6-6CE8-30905A83D380}"/>
+              </a:ext>
+            </a:extLst>
+          </p:cNvPr>
+          <p:cNvPicPr>
+            <a:picLocks noChangeAspect="1"/>
+          </p:cNvPicPr>
+          <p:nvPr/>
+        </p:nvPicPr>
+        <p:blipFill rotWithShape="1">
+          <a:blip r:embed="rId4"/>
+          <a:srcRect l="23273" t="66453" r="46643" b="28614"/>
+          <a:stretch/>
+        </p:blipFill>
+        <p:spPr>
+          <a:xfrm>
+            <a:off x="6502843" y="279318"/>
+            <a:ext cx="2396173" cy="220928"/>
+          </a:xfrm>
+          <a:prstGeom prst="rect">
+            <a:avLst/>
+          </a:prstGeom>
+        </p:spPr>
+      </p:pic>
+      <p:pic>
+        <p:nvPicPr>
+          <p:cNvPr id="26" name="Εικόνα 25">
+            <a:extLst>
+              <a:ext uri="{FF2B5EF4-FFF2-40B4-BE49-F238E27FC236}">
+                <a16:creationId xmlns:a16="http://schemas.microsoft.com/office/drawing/2014/main" id="{02AE426D-9745-9DCF-5192-5EE88C3F9416}"/>
+              </a:ext>
+            </a:extLst>
+          </p:cNvPr>
+          <p:cNvPicPr>
+            <a:picLocks noChangeAspect="1"/>
+          </p:cNvPicPr>
+          <p:nvPr/>
+        </p:nvPicPr>
+        <p:blipFill rotWithShape="1">
+          <a:blip r:embed="rId5"/>
+          <a:srcRect l="33049" t="73993" r="36585" b="19769"/>
+          <a:stretch/>
+        </p:blipFill>
+        <p:spPr>
+          <a:xfrm>
+            <a:off x="6470208" y="467318"/>
+            <a:ext cx="2428808" cy="280541"/>
+          </a:xfrm>
+          <a:prstGeom prst="rect">
+            <a:avLst/>
+          </a:prstGeom>
+        </p:spPr>
+      </p:pic>
+      <p:sp>
+        <p:nvSpPr>
+          <p:cNvPr id="28" name="TextBox 27">
+            <a:extLst>
+              <a:ext uri="{FF2B5EF4-FFF2-40B4-BE49-F238E27FC236}">
+                <a16:creationId xmlns:a16="http://schemas.microsoft.com/office/drawing/2014/main" id="{AFA612FF-13F8-CE66-3A6D-9ACCA74803AA}"/>
+              </a:ext>
+            </a:extLst>
+          </p:cNvPr>
+          <p:cNvSpPr txBox="1"/>
+          <p:nvPr/>
+        </p:nvSpPr>
+        <p:spPr>
+          <a:xfrm>
+            <a:off x="6096587" y="234819"/>
+            <a:ext cx="524202" cy="276999"/>
+          </a:xfrm>
+          <a:prstGeom prst="rect">
+            <a:avLst/>
+          </a:prstGeom>
+          <a:noFill/>
+        </p:spPr>
+        <p:txBody>
+          <a:bodyPr wrap="square">
+            <a:spAutoFit/>
+          </a:bodyPr>
+          <a:lstStyle/>
+          <a:p>
+            <a:pPr lvl="0"/>
+            <a:r>
+              <a:rPr lang="en-US" sz="1200" dirty="0">
+                <a:solidFill>
+                  <a:srgbClr val="FCDF64"/>
+                </a:solidFill>
+                <a:latin typeface="Sitka Text Semibold" pitchFamily="2" charset="0"/>
+                <a:ea typeface="Cambria Math" panose="02040503050406030204" pitchFamily="18" charset="0"/>
+                <a:cs typeface="Arial" panose="020B0604020202020204" pitchFamily="34" charset="0"/>
+              </a:rPr>
+              <a:t>AB:</a:t>
+            </a:r>
+            <a:endParaRPr lang="el-GR" sz="1200" dirty="0">
+              <a:solidFill>
+                <a:srgbClr val="FCDF64"/>
+              </a:solidFill>
+              <a:effectLst/>
+              <a:latin typeface="Sitka Text Semibold" pitchFamily="2" charset="0"/>
+              <a:ea typeface="Cambria Math" panose="02040503050406030204" pitchFamily="18" charset="0"/>
+              <a:cs typeface="Arial" panose="020B0604020202020204" pitchFamily="34" charset="0"/>
+            </a:endParaRPr>
+          </a:p>
+        </p:txBody>
+      </p:sp>
+      <p:sp>
+        <p:nvSpPr>
+          <p:cNvPr id="34" name="Ορθογώνιο 33">
+            <a:extLst>
+              <a:ext uri="{FF2B5EF4-FFF2-40B4-BE49-F238E27FC236}">
+                <a16:creationId xmlns:a16="http://schemas.microsoft.com/office/drawing/2014/main" id="{286B4888-46E8-3095-B8EE-0D4D8235F44C}"/>
+              </a:ext>
+            </a:extLst>
+          </p:cNvPr>
+          <p:cNvSpPr/>
+          <p:nvPr/>
+        </p:nvSpPr>
+        <p:spPr>
+          <a:xfrm>
+            <a:off x="6509430" y="295587"/>
+            <a:ext cx="94244" cy="152421"/>
+          </a:xfrm>
+          <a:prstGeom prst="rect">
+            <a:avLst/>
+          </a:prstGeom>
+          <a:solidFill>
+            <a:srgbClr val="FCDF64">
+              <a:alpha val="30000"/>
+            </a:srgbClr>
+          </a:solidFill>
+          <a:ln>
+            <a:noFill/>
+          </a:ln>
+        </p:spPr>
+        <p:style>
+          <a:lnRef idx="2">
+            <a:schemeClr val="accent1">
+              <a:shade val="50000"/>
+            </a:schemeClr>
+          </a:lnRef>
+          <a:fillRef idx="1">
+            <a:schemeClr val="accent1"/>
+          </a:fillRef>
+          <a:effectRef idx="0">
+            <a:schemeClr val="accent1"/>
+          </a:effectRef>
+          <a:fontRef idx="minor">
+            <a:schemeClr val="lt1"/>
+          </a:fontRef>
+        </p:style>
+        <p:txBody>
+          <a:bodyPr rtlCol="0" anchor="ctr"/>
+          <a:lstStyle/>
+          <a:p>
+            <a:pPr algn="ctr"/>
+            <a:endParaRPr lang="el-GR"/>
+          </a:p>
+        </p:txBody>
+      </p:sp>
+      <p:sp>
+        <p:nvSpPr>
+          <p:cNvPr id="35" name="Ορθογώνιο 34">
+            <a:extLst>
+              <a:ext uri="{FF2B5EF4-FFF2-40B4-BE49-F238E27FC236}">
+                <a16:creationId xmlns:a16="http://schemas.microsoft.com/office/drawing/2014/main" id="{57024F0A-3B36-A2FC-4668-71751835A791}"/>
+              </a:ext>
+            </a:extLst>
+          </p:cNvPr>
+          <p:cNvSpPr/>
+          <p:nvPr/>
+        </p:nvSpPr>
+        <p:spPr>
+          <a:xfrm>
+            <a:off x="8220832" y="292647"/>
+            <a:ext cx="94244" cy="152421"/>
+          </a:xfrm>
+          <a:prstGeom prst="rect">
+            <a:avLst/>
+          </a:prstGeom>
+          <a:solidFill>
+            <a:srgbClr val="FCDF64">
+              <a:alpha val="30000"/>
+            </a:srgbClr>
+          </a:solidFill>
+          <a:ln>
+            <a:noFill/>
+          </a:ln>
+        </p:spPr>
+        <p:style>
+          <a:lnRef idx="2">
+            <a:schemeClr val="accent1">
+              <a:shade val="50000"/>
+            </a:schemeClr>
+          </a:lnRef>
+          <a:fillRef idx="1">
+            <a:schemeClr val="accent1"/>
+          </a:fillRef>
+          <a:effectRef idx="0">
+            <a:schemeClr val="accent1"/>
+          </a:effectRef>
+          <a:fontRef idx="minor">
+            <a:schemeClr val="lt1"/>
+          </a:fontRef>
+        </p:style>
+        <p:txBody>
+          <a:bodyPr rtlCol="0" anchor="ctr"/>
+          <a:lstStyle/>
+          <a:p>
+            <a:pPr algn="ctr"/>
+            <a:endParaRPr lang="el-GR"/>
+          </a:p>
+        </p:txBody>
+      </p:sp>
+      <p:sp>
+        <p:nvSpPr>
+          <p:cNvPr id="36" name="Ορθογώνιο 35">
+            <a:extLst>
+              <a:ext uri="{FF2B5EF4-FFF2-40B4-BE49-F238E27FC236}">
+                <a16:creationId xmlns:a16="http://schemas.microsoft.com/office/drawing/2014/main" id="{834E7E3B-5892-FCD6-837B-25884C9BC28E}"/>
+              </a:ext>
+            </a:extLst>
+          </p:cNvPr>
+          <p:cNvSpPr/>
+          <p:nvPr/>
+        </p:nvSpPr>
+        <p:spPr>
+          <a:xfrm>
+            <a:off x="8223605" y="541810"/>
+            <a:ext cx="94244" cy="152421"/>
+          </a:xfrm>
+          <a:prstGeom prst="rect">
+            <a:avLst/>
+          </a:prstGeom>
+          <a:solidFill>
+            <a:srgbClr val="FCDF64">
+              <a:alpha val="30000"/>
+            </a:srgbClr>
+          </a:solidFill>
+          <a:ln>
+            <a:noFill/>
+          </a:ln>
+        </p:spPr>
+        <p:style>
+          <a:lnRef idx="2">
+            <a:schemeClr val="accent1">
+              <a:shade val="50000"/>
+            </a:schemeClr>
+          </a:lnRef>
+          <a:fillRef idx="1">
+            <a:schemeClr val="accent1"/>
+          </a:fillRef>
+          <a:effectRef idx="0">
+            <a:schemeClr val="accent1"/>
+          </a:effectRef>
+          <a:fontRef idx="minor">
+            <a:schemeClr val="lt1"/>
+          </a:fontRef>
+        </p:style>
+        <p:txBody>
+          <a:bodyPr rtlCol="0" anchor="ctr"/>
+          <a:lstStyle/>
+          <a:p>
+            <a:pPr algn="ctr"/>
+            <a:endParaRPr lang="el-GR"/>
+          </a:p>
+        </p:txBody>
+      </p:sp>
+      <p:sp>
+        <p:nvSpPr>
+          <p:cNvPr id="37" name="Ορθογώνιο 36">
+            <a:extLst>
+              <a:ext uri="{FF2B5EF4-FFF2-40B4-BE49-F238E27FC236}">
+                <a16:creationId xmlns:a16="http://schemas.microsoft.com/office/drawing/2014/main" id="{FD1E3A96-5B53-7AB6-3102-70F70B174489}"/>
+              </a:ext>
+            </a:extLst>
+          </p:cNvPr>
+          <p:cNvSpPr/>
+          <p:nvPr/>
+        </p:nvSpPr>
+        <p:spPr>
+          <a:xfrm>
+            <a:off x="6504603" y="547397"/>
+            <a:ext cx="94244" cy="152421"/>
+          </a:xfrm>
+          <a:prstGeom prst="rect">
+            <a:avLst/>
+          </a:prstGeom>
+          <a:solidFill>
+            <a:srgbClr val="FCDF64">
+              <a:alpha val="30000"/>
+            </a:srgbClr>
+          </a:solidFill>
+          <a:ln>
+            <a:noFill/>
+          </a:ln>
+        </p:spPr>
+        <p:style>
+          <a:lnRef idx="2">
+            <a:schemeClr val="accent1">
+              <a:shade val="50000"/>
+            </a:schemeClr>
+          </a:lnRef>
+          <a:fillRef idx="1">
+            <a:schemeClr val="accent1"/>
+          </a:fillRef>
+          <a:effectRef idx="0">
+            <a:schemeClr val="accent1"/>
+          </a:effectRef>
+          <a:fontRef idx="minor">
+            <a:schemeClr val="lt1"/>
+          </a:fontRef>
+        </p:style>
+        <p:txBody>
+          <a:bodyPr rtlCol="0" anchor="ctr"/>
+          <a:lstStyle/>
+          <a:p>
+            <a:pPr algn="ctr"/>
+            <a:endParaRPr lang="el-GR"/>
+          </a:p>
+        </p:txBody>
+      </p:sp>
+    </p:spTree>
+    <p:extLst>
+      <p:ext uri="{BB962C8B-B14F-4D97-AF65-F5344CB8AC3E}">
+        <p14:creationId xmlns:p14="http://schemas.microsoft.com/office/powerpoint/2010/main" val="1386621004"/>
+      </p:ext>
+    </p:extLst>
+  </p:cSld>
+  <p:clrMapOvr>
+    <a:masterClrMapping/>
+  </p:clrMapOvr>
+  <p:transition spd="slow">
+    <p:push dir="u"/>
+  </p:transition>
+</p:sld>
+</file>
+
+<file path=ppt/slides/slide13.xml><?xml version="1.0" encoding="utf-8"?>
+<p:sld xmlns:a="http://schemas.openxmlformats.org/drawingml/2006/main" xmlns:r="http://schemas.openxmlformats.org/officeDocument/2006/relationships" xmlns:p="http://schemas.openxmlformats.org/presentationml/2006/main">
+  <p:cSld>
+    <p:spTree>
+      <p:nvGrpSpPr>
+        <p:cNvPr id="1" name="Shape 46"/>
+        <p:cNvGrpSpPr/>
+        <p:nvPr/>
+      </p:nvGrpSpPr>
+      <p:grpSpPr>
+        <a:xfrm>
+          <a:off x="0" y="0"/>
+          <a:ext cx="0" cy="0"/>
+          <a:chOff x="0" y="0"/>
+          <a:chExt cx="0" cy="0"/>
+        </a:xfrm>
+      </p:grpSpPr>
+      <p:sp>
+        <p:nvSpPr>
           <p:cNvPr id="47" name="Google Shape;47;p11"/>
           <p:cNvSpPr txBox="1">
             <a:spLocks noGrp="1"/>
@@ -4929,7 +6483,7 @@
 </p:sld>
 </file>
 
-<file path=ppt/slides/slide12.xml><?xml version="1.0" encoding="utf-8"?>
+<file path=ppt/slides/slide14.xml><?xml version="1.0" encoding="utf-8"?>
 <p:sld xmlns:a="http://schemas.openxmlformats.org/drawingml/2006/main" xmlns:r="http://schemas.openxmlformats.org/officeDocument/2006/relationships" xmlns:p="http://schemas.openxmlformats.org/presentationml/2006/main">
   <p:cSld>
     <p:spTree>
@@ -10785,8 +12339,8 @@
           <a:chExt cx="0" cy="0"/>
         </a:xfrm>
       </p:grpSpPr>
-      <mc:AlternateContent xmlns:mc="http://schemas.openxmlformats.org/markup-compatibility/2006">
-        <mc:Choice xmlns:a14="http://schemas.microsoft.com/office/drawing/2010/main" Requires="a14">
+      <mc:AlternateContent xmlns:mc="http://schemas.openxmlformats.org/markup-compatibility/2006" xmlns:a14="http://schemas.microsoft.com/office/drawing/2010/main">
+        <mc:Choice Requires="a14">
           <p:sp>
             <p:nvSpPr>
               <p:cNvPr id="5" name="TextBox 4">
@@ -10985,7 +12539,7 @@
             </p:txBody>
           </p:sp>
         </mc:Choice>
-        <mc:Fallback>
+        <mc:Fallback xmlns="">
           <p:sp>
             <p:nvSpPr>
               <p:cNvPr id="5" name="TextBox 4">
@@ -11196,8 +12750,8 @@
           </a:p>
         </p:txBody>
       </p:sp>
-      <mc:AlternateContent xmlns:mc="http://schemas.openxmlformats.org/markup-compatibility/2006">
-        <mc:Choice xmlns:a14="http://schemas.microsoft.com/office/drawing/2010/main" Requires="a14">
+      <mc:AlternateContent xmlns:mc="http://schemas.openxmlformats.org/markup-compatibility/2006" xmlns:a14="http://schemas.microsoft.com/office/drawing/2010/main">
+        <mc:Choice Requires="a14">
           <p:sp>
             <p:nvSpPr>
               <p:cNvPr id="17" name="TextBox 16">
@@ -11308,7 +12862,7 @@
             </p:txBody>
           </p:sp>
         </mc:Choice>
-        <mc:Fallback>
+        <mc:Fallback xmlns="">
           <p:sp>
             <p:nvSpPr>
               <p:cNvPr id="17" name="TextBox 16">
@@ -12083,7 +13637,7 @@
         </p:nvSpPr>
         <p:spPr>
           <a:xfrm>
-            <a:off x="464719" y="1339131"/>
+            <a:off x="464719" y="1251219"/>
             <a:ext cx="8214562" cy="707886"/>
           </a:xfrm>
           <a:prstGeom prst="rect">
@@ -12229,7 +13783,7 @@
         </p:nvSpPr>
         <p:spPr>
           <a:xfrm>
-            <a:off x="1751691" y="2275308"/>
+            <a:off x="1751691" y="2124534"/>
             <a:ext cx="6423588" cy="338554"/>
           </a:xfrm>
           <a:prstGeom prst="rect">
@@ -12286,7 +13840,7 @@
         </p:blipFill>
         <p:spPr>
           <a:xfrm>
-            <a:off x="557310" y="2258099"/>
+            <a:off x="557310" y="2107325"/>
             <a:ext cx="355763" cy="355763"/>
           </a:xfrm>
           <a:prstGeom prst="rect">
@@ -12308,7 +13862,7 @@
         </p:nvSpPr>
         <p:spPr>
           <a:xfrm>
-            <a:off x="869299" y="2266704"/>
+            <a:off x="869299" y="2115930"/>
             <a:ext cx="946786" cy="338554"/>
           </a:xfrm>
           <a:prstGeom prst="rect">
@@ -13377,8 +14931,8 @@
         </p:nvSpPr>
         <p:spPr>
           <a:xfrm>
-            <a:off x="557310" y="2605258"/>
-            <a:ext cx="4324693" cy="338554"/>
+            <a:off x="557310" y="2454484"/>
+            <a:ext cx="8029380" cy="584775"/>
           </a:xfrm>
           <a:prstGeom prst="rect">
             <a:avLst/>
@@ -13412,7 +14966,7 @@
                 <a:ea typeface="Cambria Math" panose="02040503050406030204" pitchFamily="18" charset="0"/>
                 <a:cs typeface="Arial" panose="020B0604020202020204" pitchFamily="34" charset="0"/>
               </a:rPr>
-              <a:t>cipher-letter “b” is actually the real-letter “c”.</a:t>
+              <a:t>cipher-letter “b” is encrypted by that letter, whose index in the English alphabet is the one that “b” has in this predicted decryption alphabet. So “b” corresponds to the encrypted letter “c”.</a:t>
             </a:r>
             <a:endParaRPr lang="en-US" sz="1600" dirty="0">
               <a:solidFill>
@@ -13490,7 +15044,7 @@
         </p:blipFill>
         <p:spPr>
           <a:xfrm>
-            <a:off x="5726775" y="2296452"/>
+            <a:off x="5726775" y="2145678"/>
             <a:ext cx="2611318" cy="301621"/>
           </a:xfrm>
           <a:prstGeom prst="rect">
@@ -13531,8 +15085,8 @@
           <a:chExt cx="0" cy="0"/>
         </a:xfrm>
       </p:grpSpPr>
-      <mc:AlternateContent xmlns:mc="http://schemas.openxmlformats.org/markup-compatibility/2006">
-        <mc:Choice xmlns:a14="http://schemas.microsoft.com/office/drawing/2010/main" Requires="a14">
+      <mc:AlternateContent xmlns:mc="http://schemas.openxmlformats.org/markup-compatibility/2006" xmlns:a14="http://schemas.microsoft.com/office/drawing/2010/main">
+        <mc:Choice Requires="a14">
           <p:sp>
             <p:nvSpPr>
               <p:cNvPr id="6" name="TextBox 5">
@@ -13633,7 +15187,7 @@
             </p:txBody>
           </p:sp>
         </mc:Choice>
-        <mc:Fallback>
+        <mc:Fallback xmlns="">
           <p:sp>
             <p:nvSpPr>
               <p:cNvPr id="6" name="TextBox 5">
@@ -13871,8 +15425,8 @@
           </a:p>
         </p:txBody>
       </p:sp>
-      <mc:AlternateContent xmlns:mc="http://schemas.openxmlformats.org/markup-compatibility/2006">
-        <mc:Choice xmlns:a14="http://schemas.microsoft.com/office/drawing/2010/main" Requires="a14">
+      <mc:AlternateContent xmlns:mc="http://schemas.openxmlformats.org/markup-compatibility/2006" xmlns:a14="http://schemas.microsoft.com/office/drawing/2010/main">
+        <mc:Choice Requires="a14">
           <p:sp>
             <p:nvSpPr>
               <p:cNvPr id="19" name="TextBox 18">
@@ -13993,7 +15547,7 @@
             </p:txBody>
           </p:sp>
         </mc:Choice>
-        <mc:Fallback>
+        <mc:Fallback xmlns="">
           <p:sp>
             <p:nvSpPr>
               <p:cNvPr id="19" name="TextBox 18">
@@ -15377,10 +16931,10 @@
       </p:pic>
       <p:sp>
         <p:nvSpPr>
-          <p:cNvPr id="37" name="TextBox 36">
+          <p:cNvPr id="2" name="TextBox 1">
             <a:extLst>
               <a:ext uri="{FF2B5EF4-FFF2-40B4-BE49-F238E27FC236}">
-                <a16:creationId xmlns:a16="http://schemas.microsoft.com/office/drawing/2014/main" id="{3DC92B9D-0CAC-EAFD-E566-0A5660CDC600}"/>
+                <a16:creationId xmlns:a16="http://schemas.microsoft.com/office/drawing/2014/main" id="{59005A0F-9880-2CED-EE9C-B97D3FB1BCD8}"/>
               </a:ext>
             </a:extLst>
           </p:cNvPr>
@@ -15390,7 +16944,7 @@
         <p:spPr>
           <a:xfrm>
             <a:off x="464718" y="1215147"/>
-            <a:ext cx="7340602" cy="400110"/>
+            <a:ext cx="8023615" cy="400110"/>
           </a:xfrm>
           <a:prstGeom prst="rect">
             <a:avLst/>
@@ -15421,41 +16975,41 @@
                 <a:solidFill>
                   <a:srgbClr val="D5ABFF"/>
                 </a:solidFill>
-                <a:effectLst/>
-                <a:latin typeface="Sitka Banner" panose="02000505000000020004" pitchFamily="2" charset="0"/>
+                <a:latin typeface="Sitka Text Semibold" pitchFamily="2" charset="0"/>
                 <a:ea typeface="Cambria Math" panose="02040503050406030204" pitchFamily="18" charset="0"/>
                 <a:cs typeface="Arial" panose="020B0604020202020204" pitchFamily="34" charset="0"/>
               </a:rPr>
-              <a:t>A.</a:t>
+              <a:t>A</a:t>
             </a:r>
             <a:r>
               <a:rPr lang="en-US" sz="2000" b="1" dirty="0">
                 <a:solidFill>
                   <a:srgbClr val="D5ABFF"/>
                 </a:solidFill>
-                <a:latin typeface="Sitka Banner" panose="02000505000000020004" pitchFamily="2" charset="0"/>
+                <a:effectLst/>
+                <a:latin typeface="Sitka Text Semibold" pitchFamily="2" charset="0"/>
                 <a:ea typeface="Cambria Math" panose="02040503050406030204" pitchFamily="18" charset="0"/>
                 <a:cs typeface="Arial" panose="020B0604020202020204" pitchFamily="34" charset="0"/>
               </a:rPr>
-              <a:t>  Testing Ciphertext: </a:t>
+              <a:t>.</a:t>
             </a:r>
             <a:r>
               <a:rPr lang="en-US" sz="2000" b="1" dirty="0">
                 <a:solidFill>
                   <a:srgbClr val="D5ABFF"/>
                 </a:solidFill>
-                <a:latin typeface="Sitka Banner Semibold" pitchFamily="2" charset="0"/>
+                <a:latin typeface="Sitka Text Semibold" pitchFamily="2" charset="0"/>
                 <a:ea typeface="Cambria Math" panose="02040503050406030204" pitchFamily="18" charset="0"/>
                 <a:cs typeface="Arial" panose="020B0604020202020204" pitchFamily="34" charset="0"/>
               </a:rPr>
-              <a:t>Eugene </a:t>
+              <a:t>  Testing Ciphertext: Eugene </a:t>
             </a:r>
             <a:r>
               <a:rPr lang="en-US" sz="2000" b="1" dirty="0" err="1">
                 <a:solidFill>
                   <a:srgbClr val="D5ABFF"/>
                 </a:solidFill>
-                <a:latin typeface="Sitka Banner Semibold" pitchFamily="2" charset="0"/>
+                <a:latin typeface="Sitka Text Semibold" pitchFamily="2" charset="0"/>
                 <a:ea typeface="Cambria Math" panose="02040503050406030204" pitchFamily="18" charset="0"/>
                 <a:cs typeface="Arial" panose="020B0604020202020204" pitchFamily="34" charset="0"/>
               </a:rPr>
@@ -15466,7 +17020,7 @@
                 <a:solidFill>
                   <a:srgbClr val="D5ABFF"/>
                 </a:solidFill>
-                <a:latin typeface="Sitka Banner Semibold" pitchFamily="2" charset="0"/>
+                <a:latin typeface="Sitka Text Semibold" pitchFamily="2" charset="0"/>
                 <a:ea typeface="Cambria Math" panose="02040503050406030204" pitchFamily="18" charset="0"/>
                 <a:cs typeface="Arial" panose="020B0604020202020204" pitchFamily="34" charset="0"/>
               </a:rPr>
@@ -15477,7 +17031,7 @@
                 <a:solidFill>
                   <a:srgbClr val="D5ABFF"/>
                 </a:solidFill>
-                <a:latin typeface="Sitka Banner Semibold" pitchFamily="2" charset="0"/>
+                <a:latin typeface="Sitka Text Semibold" pitchFamily="2" charset="0"/>
                 <a:ea typeface="Cambria Math" panose="02040503050406030204" pitchFamily="18" charset="0"/>
                 <a:cs typeface="Arial" panose="020B0604020202020204" pitchFamily="34" charset="0"/>
               </a:rPr>
@@ -15488,7 +17042,7 @@
                 <a:srgbClr val="D5ABFF"/>
               </a:solidFill>
               <a:effectLst/>
-              <a:latin typeface="Sitka Banner Semibold" pitchFamily="2" charset="0"/>
+              <a:latin typeface="Sitka Text Semibold" pitchFamily="2" charset="0"/>
               <a:ea typeface="Cambria Math" panose="02040503050406030204" pitchFamily="18" charset="0"/>
               <a:cs typeface="Arial" panose="020B0604020202020204" pitchFamily="34" charset="0"/>
             </a:endParaRPr>
@@ -15595,7 +17149,7 @@
         <p:spPr>
           <a:xfrm>
             <a:off x="464718" y="1215147"/>
-            <a:ext cx="6719007" cy="400110"/>
+            <a:ext cx="8023615" cy="400110"/>
           </a:xfrm>
           <a:prstGeom prst="rect">
             <a:avLst/>
@@ -15626,7 +17180,7 @@
                 <a:solidFill>
                   <a:srgbClr val="D5ABFF"/>
                 </a:solidFill>
-                <a:latin typeface="Sitka Banner" panose="02000505000000020004" pitchFamily="2" charset="0"/>
+                <a:latin typeface="Sitka Text Semibold" pitchFamily="2" charset="0"/>
                 <a:ea typeface="Cambria Math" panose="02040503050406030204" pitchFamily="18" charset="0"/>
                 <a:cs typeface="Arial" panose="020B0604020202020204" pitchFamily="34" charset="0"/>
               </a:rPr>
@@ -15638,7 +17192,7 @@
                   <a:srgbClr val="D5ABFF"/>
                 </a:solidFill>
                 <a:effectLst/>
-                <a:latin typeface="Sitka Banner" panose="02000505000000020004" pitchFamily="2" charset="0"/>
+                <a:latin typeface="Sitka Text Semibold" pitchFamily="2" charset="0"/>
                 <a:ea typeface="Cambria Math" panose="02040503050406030204" pitchFamily="18" charset="0"/>
                 <a:cs typeface="Arial" panose="020B0604020202020204" pitchFamily="34" charset="0"/>
               </a:rPr>
@@ -15649,51 +17203,40 @@
                 <a:solidFill>
                   <a:srgbClr val="D5ABFF"/>
                 </a:solidFill>
-                <a:latin typeface="Sitka Banner" panose="02000505000000020004" pitchFamily="2" charset="0"/>
+                <a:latin typeface="Sitka Text Semibold" pitchFamily="2" charset="0"/>
                 <a:ea typeface="Cambria Math" panose="02040503050406030204" pitchFamily="18" charset="0"/>
                 <a:cs typeface="Arial" panose="020B0604020202020204" pitchFamily="34" charset="0"/>
               </a:rPr>
-              <a:t>  Testing Ciphertext: </a:t>
-            </a:r>
-            <a:r>
-              <a:rPr lang="en-US" sz="2000" b="1" dirty="0">
+              <a:t>  Testing Ciphertext: Eugene </a:t>
+            </a:r>
+            <a:r>
+              <a:rPr lang="en-US" sz="2000" b="1" dirty="0" err="1">
                 <a:solidFill>
                   <a:srgbClr val="D5ABFF"/>
                 </a:solidFill>
-                <a:latin typeface="Sitka Banner Semibold" pitchFamily="2" charset="0"/>
+                <a:latin typeface="Sitka Text Semibold" pitchFamily="2" charset="0"/>
                 <a:ea typeface="Cambria Math" panose="02040503050406030204" pitchFamily="18" charset="0"/>
                 <a:cs typeface="Arial" panose="020B0604020202020204" pitchFamily="34" charset="0"/>
               </a:rPr>
-              <a:t>Eugene </a:t>
-            </a:r>
-            <a:r>
-              <a:rPr lang="en-US" sz="2000" b="1" dirty="0" err="1">
+              <a:t>Onegin</a:t>
+            </a:r>
+            <a:r>
+              <a:rPr lang="en-US" sz="2000" b="1" dirty="0">
                 <a:solidFill>
                   <a:srgbClr val="D5ABFF"/>
                 </a:solidFill>
-                <a:latin typeface="Sitka Banner Semibold" pitchFamily="2" charset="0"/>
+                <a:latin typeface="Sitka Text Semibold" pitchFamily="2" charset="0"/>
                 <a:ea typeface="Cambria Math" panose="02040503050406030204" pitchFamily="18" charset="0"/>
                 <a:cs typeface="Arial" panose="020B0604020202020204" pitchFamily="34" charset="0"/>
               </a:rPr>
-              <a:t>Onegin</a:t>
-            </a:r>
-            <a:r>
-              <a:rPr lang="en-US" sz="2000" b="1" dirty="0">
+              <a:t> | Alexander </a:t>
+            </a:r>
+            <a:r>
+              <a:rPr lang="en-US" sz="2000" dirty="0">
                 <a:solidFill>
                   <a:srgbClr val="D5ABFF"/>
                 </a:solidFill>
-                <a:latin typeface="Sitka Banner Semibold" pitchFamily="2" charset="0"/>
-                <a:ea typeface="Cambria Math" panose="02040503050406030204" pitchFamily="18" charset="0"/>
-                <a:cs typeface="Arial" panose="020B0604020202020204" pitchFamily="34" charset="0"/>
-              </a:rPr>
-              <a:t> | Alexander </a:t>
-            </a:r>
-            <a:r>
-              <a:rPr lang="en-US" sz="2000" dirty="0">
-                <a:solidFill>
-                  <a:srgbClr val="D5ABFF"/>
-                </a:solidFill>
-                <a:latin typeface="Sitka Banner Semibold" pitchFamily="2" charset="0"/>
+                <a:latin typeface="Sitka Text Semibold" pitchFamily="2" charset="0"/>
                 <a:ea typeface="Cambria Math" panose="02040503050406030204" pitchFamily="18" charset="0"/>
                 <a:cs typeface="Arial" panose="020B0604020202020204" pitchFamily="34" charset="0"/>
               </a:rPr>
@@ -15704,7 +17247,7 @@
                 <a:srgbClr val="D5ABFF"/>
               </a:solidFill>
               <a:effectLst/>
-              <a:latin typeface="Sitka Banner Semibold" pitchFamily="2" charset="0"/>
+              <a:latin typeface="Sitka Text Semibold" pitchFamily="2" charset="0"/>
               <a:ea typeface="Cambria Math" panose="02040503050406030204" pitchFamily="18" charset="0"/>
               <a:cs typeface="Arial" panose="020B0604020202020204" pitchFamily="34" charset="0"/>
             </a:endParaRPr>
@@ -17800,7 +19343,7 @@
         <p:spPr>
           <a:xfrm>
             <a:off x="464718" y="1215147"/>
-            <a:ext cx="7909848" cy="400110"/>
+            <a:ext cx="8187792" cy="400110"/>
           </a:xfrm>
           <a:prstGeom prst="rect">
             <a:avLst/>
@@ -17831,7 +19374,7 @@
                 <a:solidFill>
                   <a:srgbClr val="C0EC78"/>
                 </a:solidFill>
-                <a:latin typeface="Sitka Banner" panose="02000505000000020004" pitchFamily="2" charset="0"/>
+                <a:latin typeface="Sitka Text Semibold" pitchFamily="2" charset="0"/>
                 <a:ea typeface="Cambria Math" panose="02040503050406030204" pitchFamily="18" charset="0"/>
                 <a:cs typeface="Arial" panose="020B0604020202020204" pitchFamily="34" charset="0"/>
               </a:rPr>
@@ -17843,7 +19386,7 @@
                   <a:srgbClr val="C0EC78"/>
                 </a:solidFill>
                 <a:effectLst/>
-                <a:latin typeface="Sitka Banner" panose="02000505000000020004" pitchFamily="2" charset="0"/>
+                <a:latin typeface="Sitka Text Semibold" pitchFamily="2" charset="0"/>
                 <a:ea typeface="Cambria Math" panose="02040503050406030204" pitchFamily="18" charset="0"/>
                 <a:cs typeface="Arial" panose="020B0604020202020204" pitchFamily="34" charset="0"/>
               </a:rPr>
@@ -17854,29 +19397,18 @@
                 <a:solidFill>
                   <a:srgbClr val="C0EC78"/>
                 </a:solidFill>
-                <a:latin typeface="Sitka Banner" panose="02000505000000020004" pitchFamily="2" charset="0"/>
+                <a:latin typeface="Sitka Text Semibold" pitchFamily="2" charset="0"/>
                 <a:ea typeface="Cambria Math" panose="02040503050406030204" pitchFamily="18" charset="0"/>
                 <a:cs typeface="Arial" panose="020B0604020202020204" pitchFamily="34" charset="0"/>
               </a:rPr>
-              <a:t>  Testing Ciphertext: </a:t>
-            </a:r>
-            <a:r>
-              <a:rPr lang="en-US" sz="2000" b="1" dirty="0">
-                <a:solidFill>
-                  <a:srgbClr val="C0EC78"/>
-                </a:solidFill>
-                <a:latin typeface="Sitka Banner Semibold" pitchFamily="2" charset="0"/>
-                <a:ea typeface="Cambria Math" panose="02040503050406030204" pitchFamily="18" charset="0"/>
-                <a:cs typeface="Arial" panose="020B0604020202020204" pitchFamily="34" charset="0"/>
-              </a:rPr>
-              <a:t>The Sorrows of Young Werther | Goethe</a:t>
+              <a:t>  Testing Ciphertext: The Sorrows of Young Werther | Goethe</a:t>
             </a:r>
             <a:endParaRPr lang="en-US" sz="2000" dirty="0">
               <a:solidFill>
                 <a:srgbClr val="C0EC78"/>
               </a:solidFill>
               <a:effectLst/>
-              <a:latin typeface="Sitka Banner Semibold" pitchFamily="2" charset="0"/>
+              <a:latin typeface="Sitka Text Semibold" pitchFamily="2" charset="0"/>
               <a:ea typeface="Cambria Math" panose="02040503050406030204" pitchFamily="18" charset="0"/>
               <a:cs typeface="Arial" panose="020B0604020202020204" pitchFamily="34" charset="0"/>
             </a:endParaRPr>

--- a/project-presentation.pptx
+++ b/project-presentation.pptx
@@ -5844,13 +5844,13 @@
               </a:ext>
             </a:extLst>
           </a:blip>
-          <a:srcRect l="33528" t="23986" b="50609"/>
+          <a:srcRect l="33528" t="24622" b="50608"/>
           <a:stretch/>
         </p:blipFill>
         <p:spPr bwMode="auto">
           <a:xfrm>
-            <a:off x="464780" y="2661819"/>
-            <a:ext cx="4073290" cy="1034456"/>
+            <a:off x="464780" y="2687683"/>
+            <a:ext cx="4073290" cy="1008592"/>
           </a:xfrm>
           <a:prstGeom prst="rect">
             <a:avLst/>
@@ -6350,6 +6350,58 @@
             <a:srgbClr val="FCDF64">
               <a:alpha val="30000"/>
             </a:srgbClr>
+          </a:solidFill>
+          <a:ln>
+            <a:noFill/>
+          </a:ln>
+        </p:spPr>
+        <p:style>
+          <a:lnRef idx="2">
+            <a:schemeClr val="accent1">
+              <a:shade val="50000"/>
+            </a:schemeClr>
+          </a:lnRef>
+          <a:fillRef idx="1">
+            <a:schemeClr val="accent1"/>
+          </a:fillRef>
+          <a:effectRef idx="0">
+            <a:schemeClr val="accent1"/>
+          </a:effectRef>
+          <a:fontRef idx="minor">
+            <a:schemeClr val="lt1"/>
+          </a:fontRef>
+        </p:style>
+        <p:txBody>
+          <a:bodyPr rtlCol="0" anchor="ctr"/>
+          <a:lstStyle/>
+          <a:p>
+            <a:pPr algn="ctr"/>
+            <a:endParaRPr lang="el-GR"/>
+          </a:p>
+        </p:txBody>
+      </p:sp>
+      <p:sp>
+        <p:nvSpPr>
+          <p:cNvPr id="38" name="Ορθογώνιο 37">
+            <a:extLst>
+              <a:ext uri="{FF2B5EF4-FFF2-40B4-BE49-F238E27FC236}">
+                <a16:creationId xmlns:a16="http://schemas.microsoft.com/office/drawing/2014/main" id="{D7C9936C-817B-1114-6769-589604AF286F}"/>
+              </a:ext>
+            </a:extLst>
+          </p:cNvPr>
+          <p:cNvSpPr/>
+          <p:nvPr/>
+        </p:nvSpPr>
+        <p:spPr>
+          <a:xfrm rot="16200000" flipH="1" flipV="1">
+            <a:off x="2504439" y="591226"/>
+            <a:ext cx="56798" cy="4136117"/>
+          </a:xfrm>
+          <a:prstGeom prst="rect">
+            <a:avLst/>
+          </a:prstGeom>
+          <a:solidFill>
+            <a:schemeClr val="bg1"/>
           </a:solidFill>
           <a:ln>
             <a:noFill/>

--- a/project-presentation.pptx
+++ b/project-presentation.pptx
@@ -5,7 +5,7 @@
     <p:sldMasterId id="2147483657" r:id="rId1"/>
   </p:sldMasterIdLst>
   <p:notesMasterIdLst>
-    <p:notesMasterId r:id="rId16"/>
+    <p:notesMasterId r:id="rId17"/>
   </p:notesMasterIdLst>
   <p:sldIdLst>
     <p:sldId id="256" r:id="rId2"/>
@@ -20,40 +20,41 @@
     <p:sldId id="342" r:id="rId11"/>
     <p:sldId id="344" r:id="rId12"/>
     <p:sldId id="345" r:id="rId13"/>
-    <p:sldId id="325" r:id="rId14"/>
-    <p:sldId id="324" r:id="rId15"/>
+    <p:sldId id="346" r:id="rId14"/>
+    <p:sldId id="325" r:id="rId15"/>
+    <p:sldId id="324" r:id="rId16"/>
   </p:sldIdLst>
   <p:sldSz cx="9144000" cy="5143500" type="screen16x9"/>
   <p:notesSz cx="6858000" cy="9144000"/>
   <p:embeddedFontLst>
     <p:embeddedFont>
       <p:font typeface="Cambria Math" panose="02040503050406030204" pitchFamily="18" charset="0"/>
-      <p:regular r:id="rId17"/>
+      <p:regular r:id="rId18"/>
     </p:embeddedFont>
     <p:embeddedFont>
       <p:font typeface="Sitka Banner" panose="02000505000000020004" pitchFamily="2" charset="0"/>
-      <p:regular r:id="rId18"/>
-      <p:bold r:id="rId19"/>
-      <p:italic r:id="rId20"/>
-      <p:boldItalic r:id="rId21"/>
+      <p:regular r:id="rId19"/>
+      <p:bold r:id="rId20"/>
+      <p:italic r:id="rId21"/>
+      <p:boldItalic r:id="rId22"/>
     </p:embeddedFont>
     <p:embeddedFont>
       <p:font typeface="Sitka Banner Semibold" pitchFamily="2" charset="0"/>
-      <p:bold r:id="rId22"/>
-      <p:boldItalic r:id="rId23"/>
+      <p:bold r:id="rId23"/>
+      <p:boldItalic r:id="rId24"/>
     </p:embeddedFont>
     <p:embeddedFont>
       <p:font typeface="Sitka Text Semibold" pitchFamily="2" charset="0"/>
-      <p:bold r:id="rId24"/>
-      <p:boldItalic r:id="rId25"/>
+      <p:bold r:id="rId25"/>
+      <p:boldItalic r:id="rId26"/>
     </p:embeddedFont>
     <p:embeddedFont>
       <p:font typeface="Sniglet" panose="020B0604020202020204" charset="0"/>
-      <p:regular r:id="rId26"/>
+      <p:regular r:id="rId27"/>
     </p:embeddedFont>
     <p:embeddedFont>
       <p:font typeface="Walter Turncoat" panose="020B0604020202020204" charset="0"/>
-      <p:regular r:id="rId27"/>
+      <p:regular r:id="rId28"/>
     </p:embeddedFont>
   </p:embeddedFontLst>
   <p:defaultTextStyle>
@@ -1264,6 +1265,115 @@
     </p:spTree>
     <p:extLst>
       <p:ext uri="{BB962C8B-B14F-4D97-AF65-F5344CB8AC3E}">
+        <p14:creationId xmlns:p14="http://schemas.microsoft.com/office/powerpoint/2010/main" val="2896671603"/>
+      </p:ext>
+    </p:extLst>
+  </p:cSld>
+  <p:clrMapOvr>
+    <a:masterClrMapping/>
+  </p:clrMapOvr>
+</p:notes>
+</file>
+
+<file path=ppt/notesSlides/notesSlide14.xml><?xml version="1.0" encoding="utf-8"?>
+<p:notes xmlns:a="http://schemas.openxmlformats.org/drawingml/2006/main" xmlns:r="http://schemas.openxmlformats.org/officeDocument/2006/relationships" xmlns:p="http://schemas.openxmlformats.org/presentationml/2006/main" showMasterSp="0" showMasterPhAnim="0">
+  <p:cSld>
+    <p:spTree>
+      <p:nvGrpSpPr>
+        <p:cNvPr id="1" name="Shape 43"/>
+        <p:cNvGrpSpPr/>
+        <p:nvPr/>
+      </p:nvGrpSpPr>
+      <p:grpSpPr>
+        <a:xfrm>
+          <a:off x="0" y="0"/>
+          <a:ext cx="0" cy="0"/>
+          <a:chOff x="0" y="0"/>
+          <a:chExt cx="0" cy="0"/>
+        </a:xfrm>
+      </p:grpSpPr>
+      <p:sp>
+        <p:nvSpPr>
+          <p:cNvPr id="44" name="Google Shape;44;g35f391192_00:notes"/>
+          <p:cNvSpPr>
+            <a:spLocks noGrp="1" noRot="1" noChangeAspect="1"/>
+          </p:cNvSpPr>
+          <p:nvPr>
+            <p:ph type="sldImg" idx="2"/>
+          </p:nvPr>
+        </p:nvSpPr>
+        <p:spPr>
+          <a:xfrm>
+            <a:off x="381000" y="685800"/>
+            <a:ext cx="6096000" cy="3429000"/>
+          </a:xfrm>
+          <a:custGeom>
+            <a:avLst/>
+            <a:gdLst/>
+            <a:ahLst/>
+            <a:cxnLst/>
+            <a:rect l="l" t="t" r="r" b="b"/>
+            <a:pathLst>
+              <a:path w="120000" h="120000" extrusionOk="0">
+                <a:moveTo>
+                  <a:pt x="0" y="0"/>
+                </a:moveTo>
+                <a:lnTo>
+                  <a:pt x="120000" y="0"/>
+                </a:lnTo>
+                <a:lnTo>
+                  <a:pt x="120000" y="120000"/>
+                </a:lnTo>
+                <a:lnTo>
+                  <a:pt x="0" y="120000"/>
+                </a:lnTo>
+                <a:close/>
+              </a:path>
+            </a:pathLst>
+          </a:custGeom>
+        </p:spPr>
+      </p:sp>
+      <p:sp>
+        <p:nvSpPr>
+          <p:cNvPr id="45" name="Google Shape;45;g35f391192_00:notes"/>
+          <p:cNvSpPr txBox="1">
+            <a:spLocks noGrp="1"/>
+          </p:cNvSpPr>
+          <p:nvPr>
+            <p:ph type="body" idx="1"/>
+          </p:nvPr>
+        </p:nvSpPr>
+        <p:spPr>
+          <a:xfrm>
+            <a:off x="685800" y="4343400"/>
+            <a:ext cx="5486400" cy="4114800"/>
+          </a:xfrm>
+          <a:prstGeom prst="rect">
+            <a:avLst/>
+          </a:prstGeom>
+        </p:spPr>
+        <p:txBody>
+          <a:bodyPr spcFirstLastPara="1" wrap="square" lIns="91425" tIns="91425" rIns="91425" bIns="91425" anchor="t" anchorCtr="0">
+            <a:noAutofit/>
+          </a:bodyPr>
+          <a:lstStyle/>
+          <a:p>
+            <a:pPr marL="0" lvl="0" indent="0" algn="l" rtl="0">
+              <a:spcBef>
+                <a:spcPts val="0"/>
+              </a:spcBef>
+              <a:spcAft>
+                <a:spcPts val="0"/>
+              </a:spcAft>
+              <a:buNone/>
+            </a:pPr>
+            <a:endParaRPr/>
+          </a:p>
+        </p:txBody>
+      </p:sp>
+    </p:spTree>
+    <p:extLst>
+      <p:ext uri="{BB962C8B-B14F-4D97-AF65-F5344CB8AC3E}">
         <p14:creationId xmlns:p14="http://schemas.microsoft.com/office/powerpoint/2010/main" val="2740222840"/>
       </p:ext>
     </p:extLst>
@@ -1274,7 +1384,7 @@
 </p:notes>
 </file>
 
-<file path=ppt/notesSlides/notesSlide14.xml><?xml version="1.0" encoding="utf-8"?>
+<file path=ppt/notesSlides/notesSlide15.xml><?xml version="1.0" encoding="utf-8"?>
 <p:notes xmlns:a="http://schemas.openxmlformats.org/drawingml/2006/main" xmlns:r="http://schemas.openxmlformats.org/officeDocument/2006/relationships" xmlns:p="http://schemas.openxmlformats.org/presentationml/2006/main" showMasterSp="0" showMasterPhAnim="0">
   <p:cSld>
     <p:spTree>
@@ -6178,7 +6288,7 @@
         </p:nvSpPr>
         <p:spPr>
           <a:xfrm>
-            <a:off x="6509430" y="295587"/>
+            <a:off x="8040552" y="292397"/>
             <a:ext cx="94244" cy="152421"/>
           </a:xfrm>
           <a:prstGeom prst="rect">
@@ -6340,7 +6450,7 @@
         </p:nvSpPr>
         <p:spPr>
           <a:xfrm>
-            <a:off x="6504603" y="547397"/>
+            <a:off x="8040552" y="548508"/>
             <a:ext cx="94244" cy="152421"/>
           </a:xfrm>
           <a:prstGeom prst="rect">
@@ -6467,6 +6577,694 @@
       </p:grpSpPr>
       <p:sp>
         <p:nvSpPr>
+          <p:cNvPr id="6" name="TextBox 5">
+            <a:extLst>
+              <a:ext uri="{FF2B5EF4-FFF2-40B4-BE49-F238E27FC236}">
+                <a16:creationId xmlns:a16="http://schemas.microsoft.com/office/drawing/2014/main" id="{56C4A42A-1773-6FC9-0265-A76C6EE8D8AC}"/>
+              </a:ext>
+            </a:extLst>
+          </p:cNvPr>
+          <p:cNvSpPr txBox="1"/>
+          <p:nvPr/>
+        </p:nvSpPr>
+        <p:spPr>
+          <a:xfrm>
+            <a:off x="261767" y="332336"/>
+            <a:ext cx="5094004" cy="584775"/>
+          </a:xfrm>
+          <a:prstGeom prst="rect">
+            <a:avLst/>
+          </a:prstGeom>
+          <a:noFill/>
+        </p:spPr>
+        <p:txBody>
+          <a:bodyPr wrap="square">
+            <a:spAutoFit/>
+          </a:bodyPr>
+          <a:lstStyle/>
+          <a:p>
+            <a:r>
+              <a:rPr lang="en-US" sz="3200" b="1" dirty="0">
+                <a:solidFill>
+                  <a:schemeClr val="bg1"/>
+                </a:solidFill>
+                <a:effectLst/>
+                <a:latin typeface="Sitka Banner Semibold" pitchFamily="2" charset="0"/>
+                <a:ea typeface="Cambria Math" panose="02040503050406030204" pitchFamily="18" charset="0"/>
+                <a:cs typeface="Arial" panose="020B0604020202020204" pitchFamily="34" charset="0"/>
+              </a:rPr>
+              <a:t>Feature Diagrams &amp; Outputs</a:t>
+            </a:r>
+            <a:endParaRPr lang="en-US" sz="4400" dirty="0">
+              <a:solidFill>
+                <a:schemeClr val="bg1"/>
+              </a:solidFill>
+              <a:effectLst/>
+              <a:latin typeface="Sitka Banner" panose="02000505000000020004" pitchFamily="2" charset="0"/>
+              <a:ea typeface="Cambria Math" panose="02040503050406030204" pitchFamily="18" charset="0"/>
+              <a:cs typeface="Arial" panose="020B0604020202020204" pitchFamily="34" charset="0"/>
+            </a:endParaRPr>
+          </a:p>
+        </p:txBody>
+      </p:sp>
+      <p:sp>
+        <p:nvSpPr>
+          <p:cNvPr id="15" name="TextBox 14">
+            <a:extLst>
+              <a:ext uri="{FF2B5EF4-FFF2-40B4-BE49-F238E27FC236}">
+                <a16:creationId xmlns:a16="http://schemas.microsoft.com/office/drawing/2014/main" id="{5DFC17B5-E2DC-7133-5596-4D3C04FDEA14}"/>
+              </a:ext>
+            </a:extLst>
+          </p:cNvPr>
+          <p:cNvSpPr txBox="1"/>
+          <p:nvPr/>
+        </p:nvSpPr>
+        <p:spPr>
+          <a:xfrm>
+            <a:off x="261768" y="1112398"/>
+            <a:ext cx="4971136" cy="400110"/>
+          </a:xfrm>
+          <a:prstGeom prst="rect">
+            <a:avLst/>
+          </a:prstGeom>
+          <a:noFill/>
+        </p:spPr>
+        <p:txBody>
+          <a:bodyPr wrap="square">
+            <a:spAutoFit/>
+          </a:bodyPr>
+          <a:lstStyle/>
+          <a:p>
+            <a:pPr lvl="0"/>
+            <a:r>
+              <a:rPr lang="en-US" sz="2000" b="1" dirty="0">
+                <a:solidFill>
+                  <a:srgbClr val="FCDF64"/>
+                </a:solidFill>
+                <a:latin typeface="Sitka Text Semibold" pitchFamily="2" charset="0"/>
+                <a:ea typeface="Cambria Math" panose="02040503050406030204" pitchFamily="18" charset="0"/>
+                <a:cs typeface="Arial" panose="020B0604020202020204" pitchFamily="34" charset="0"/>
+              </a:rPr>
+              <a:t>Why did we get a wrong prediction?</a:t>
+            </a:r>
+            <a:endParaRPr lang="en-US" sz="2000" dirty="0">
+              <a:solidFill>
+                <a:schemeClr val="bg1"/>
+              </a:solidFill>
+              <a:effectLst/>
+              <a:latin typeface="Sitka Banner" panose="02000505000000020004" pitchFamily="2" charset="0"/>
+              <a:ea typeface="Cambria Math" panose="02040503050406030204" pitchFamily="18" charset="0"/>
+              <a:cs typeface="Arial" panose="020B0604020202020204" pitchFamily="34" charset="0"/>
+            </a:endParaRPr>
+          </a:p>
+        </p:txBody>
+      </p:sp>
+      <p:sp>
+        <p:nvSpPr>
+          <p:cNvPr id="4" name="TextBox 3">
+            <a:extLst>
+              <a:ext uri="{FF2B5EF4-FFF2-40B4-BE49-F238E27FC236}">
+                <a16:creationId xmlns:a16="http://schemas.microsoft.com/office/drawing/2014/main" id="{F2B018B9-4A60-C153-6542-A6F223487CA4}"/>
+              </a:ext>
+            </a:extLst>
+          </p:cNvPr>
+          <p:cNvSpPr txBox="1"/>
+          <p:nvPr/>
+        </p:nvSpPr>
+        <p:spPr>
+          <a:xfrm>
+            <a:off x="5988149" y="476238"/>
+            <a:ext cx="657634" cy="276999"/>
+          </a:xfrm>
+          <a:prstGeom prst="rect">
+            <a:avLst/>
+          </a:prstGeom>
+          <a:noFill/>
+        </p:spPr>
+        <p:txBody>
+          <a:bodyPr wrap="square">
+            <a:spAutoFit/>
+          </a:bodyPr>
+          <a:lstStyle/>
+          <a:p>
+            <a:pPr lvl="0"/>
+            <a:r>
+              <a:rPr lang="en-US" sz="1200" dirty="0">
+                <a:solidFill>
+                  <a:srgbClr val="FCDF64"/>
+                </a:solidFill>
+                <a:latin typeface="Sitka Text Semibold" pitchFamily="2" charset="0"/>
+                <a:ea typeface="Cambria Math" panose="02040503050406030204" pitchFamily="18" charset="0"/>
+                <a:cs typeface="Arial" panose="020B0604020202020204" pitchFamily="34" charset="0"/>
+              </a:rPr>
+              <a:t>ADK:</a:t>
+            </a:r>
+            <a:endParaRPr lang="el-GR" sz="1200" dirty="0">
+              <a:solidFill>
+                <a:srgbClr val="FCDF64"/>
+              </a:solidFill>
+              <a:effectLst/>
+              <a:latin typeface="Sitka Text Semibold" pitchFamily="2" charset="0"/>
+              <a:ea typeface="Cambria Math" panose="02040503050406030204" pitchFamily="18" charset="0"/>
+              <a:cs typeface="Arial" panose="020B0604020202020204" pitchFamily="34" charset="0"/>
+            </a:endParaRPr>
+          </a:p>
+        </p:txBody>
+      </p:sp>
+      <p:pic>
+        <p:nvPicPr>
+          <p:cNvPr id="5" name="Εικόνα 4" descr="Εικόνα που περιέχει κείμενο, οθόνη, μαύρο, στιγμιότυπο οθόνης&#10;&#10;Περιγραφή που δημιουργήθηκε αυτόματα">
+            <a:extLst>
+              <a:ext uri="{FF2B5EF4-FFF2-40B4-BE49-F238E27FC236}">
+                <a16:creationId xmlns:a16="http://schemas.microsoft.com/office/drawing/2014/main" id="{3DA3A449-5197-C17A-8E1D-3610EA2B38F9}"/>
+              </a:ext>
+            </a:extLst>
+          </p:cNvPr>
+          <p:cNvPicPr>
+            <a:picLocks noChangeAspect="1"/>
+          </p:cNvPicPr>
+          <p:nvPr/>
+        </p:nvPicPr>
+        <p:blipFill rotWithShape="1">
+          <a:blip r:embed="rId3"/>
+          <a:srcRect l="23273" t="66453" r="46643" b="28614"/>
+          <a:stretch/>
+        </p:blipFill>
+        <p:spPr>
+          <a:xfrm>
+            <a:off x="6502843" y="279318"/>
+            <a:ext cx="2396173" cy="220928"/>
+          </a:xfrm>
+          <a:prstGeom prst="rect">
+            <a:avLst/>
+          </a:prstGeom>
+        </p:spPr>
+      </p:pic>
+      <p:sp>
+        <p:nvSpPr>
+          <p:cNvPr id="8" name="TextBox 7">
+            <a:extLst>
+              <a:ext uri="{FF2B5EF4-FFF2-40B4-BE49-F238E27FC236}">
+                <a16:creationId xmlns:a16="http://schemas.microsoft.com/office/drawing/2014/main" id="{40F4F5D6-23FE-C5BA-2515-5F3C035BA3BF}"/>
+              </a:ext>
+            </a:extLst>
+          </p:cNvPr>
+          <p:cNvSpPr txBox="1"/>
+          <p:nvPr/>
+        </p:nvSpPr>
+        <p:spPr>
+          <a:xfrm>
+            <a:off x="6096587" y="234819"/>
+            <a:ext cx="524202" cy="276999"/>
+          </a:xfrm>
+          <a:prstGeom prst="rect">
+            <a:avLst/>
+          </a:prstGeom>
+          <a:noFill/>
+        </p:spPr>
+        <p:txBody>
+          <a:bodyPr wrap="square">
+            <a:spAutoFit/>
+          </a:bodyPr>
+          <a:lstStyle/>
+          <a:p>
+            <a:pPr lvl="0"/>
+            <a:r>
+              <a:rPr lang="en-US" sz="1200" dirty="0">
+                <a:solidFill>
+                  <a:srgbClr val="FCDF64"/>
+                </a:solidFill>
+                <a:latin typeface="Sitka Text Semibold" pitchFamily="2" charset="0"/>
+                <a:ea typeface="Cambria Math" panose="02040503050406030204" pitchFamily="18" charset="0"/>
+                <a:cs typeface="Arial" panose="020B0604020202020204" pitchFamily="34" charset="0"/>
+              </a:rPr>
+              <a:t>AB:</a:t>
+            </a:r>
+            <a:endParaRPr lang="el-GR" sz="1200" dirty="0">
+              <a:solidFill>
+                <a:srgbClr val="FCDF64"/>
+              </a:solidFill>
+              <a:effectLst/>
+              <a:latin typeface="Sitka Text Semibold" pitchFamily="2" charset="0"/>
+              <a:ea typeface="Cambria Math" panose="02040503050406030204" pitchFamily="18" charset="0"/>
+              <a:cs typeface="Arial" panose="020B0604020202020204" pitchFamily="34" charset="0"/>
+            </a:endParaRPr>
+          </a:p>
+        </p:txBody>
+      </p:sp>
+      <p:sp>
+        <p:nvSpPr>
+          <p:cNvPr id="20" name="TextBox 19">
+            <a:extLst>
+              <a:ext uri="{FF2B5EF4-FFF2-40B4-BE49-F238E27FC236}">
+                <a16:creationId xmlns:a16="http://schemas.microsoft.com/office/drawing/2014/main" id="{E37F92D7-1F3A-EB84-016E-7E08B8F2076A}"/>
+              </a:ext>
+            </a:extLst>
+          </p:cNvPr>
+          <p:cNvSpPr txBox="1"/>
+          <p:nvPr/>
+        </p:nvSpPr>
+        <p:spPr>
+          <a:xfrm>
+            <a:off x="5988149" y="697166"/>
+            <a:ext cx="657634" cy="276999"/>
+          </a:xfrm>
+          <a:prstGeom prst="rect">
+            <a:avLst/>
+          </a:prstGeom>
+          <a:noFill/>
+        </p:spPr>
+        <p:txBody>
+          <a:bodyPr wrap="square">
+            <a:spAutoFit/>
+          </a:bodyPr>
+          <a:lstStyle/>
+          <a:p>
+            <a:pPr lvl="0"/>
+            <a:r>
+              <a:rPr lang="en-US" sz="1200" dirty="0">
+                <a:solidFill>
+                  <a:srgbClr val="FCDF64"/>
+                </a:solidFill>
+                <a:latin typeface="Sitka Text Semibold" pitchFamily="2" charset="0"/>
+                <a:ea typeface="Cambria Math" panose="02040503050406030204" pitchFamily="18" charset="0"/>
+                <a:cs typeface="Arial" panose="020B0604020202020204" pitchFamily="34" charset="0"/>
+              </a:rPr>
+              <a:t>PDK:</a:t>
+            </a:r>
+            <a:endParaRPr lang="el-GR" sz="1200" dirty="0">
+              <a:solidFill>
+                <a:srgbClr val="FCDF64"/>
+              </a:solidFill>
+              <a:effectLst/>
+              <a:latin typeface="Sitka Text Semibold" pitchFamily="2" charset="0"/>
+              <a:ea typeface="Cambria Math" panose="02040503050406030204" pitchFamily="18" charset="0"/>
+              <a:cs typeface="Arial" panose="020B0604020202020204" pitchFamily="34" charset="0"/>
+            </a:endParaRPr>
+          </a:p>
+        </p:txBody>
+      </p:sp>
+      <p:pic>
+        <p:nvPicPr>
+          <p:cNvPr id="23" name="Εικόνα 22">
+            <a:extLst>
+              <a:ext uri="{FF2B5EF4-FFF2-40B4-BE49-F238E27FC236}">
+                <a16:creationId xmlns:a16="http://schemas.microsoft.com/office/drawing/2014/main" id="{CDF1FADD-3C2B-5A22-8B48-D32E0D8C7003}"/>
+              </a:ext>
+            </a:extLst>
+          </p:cNvPr>
+          <p:cNvPicPr>
+            <a:picLocks noChangeAspect="1"/>
+          </p:cNvPicPr>
+          <p:nvPr/>
+        </p:nvPicPr>
+        <p:blipFill rotWithShape="1">
+          <a:blip r:embed="rId4"/>
+          <a:srcRect l="33049" t="73993" r="36585" b="19769"/>
+          <a:stretch/>
+        </p:blipFill>
+        <p:spPr>
+          <a:xfrm>
+            <a:off x="6470208" y="467318"/>
+            <a:ext cx="2428808" cy="280541"/>
+          </a:xfrm>
+          <a:prstGeom prst="rect">
+            <a:avLst/>
+          </a:prstGeom>
+        </p:spPr>
+      </p:pic>
+      <p:pic>
+        <p:nvPicPr>
+          <p:cNvPr id="24" name="Εικόνα 23" descr="Εικόνα που περιέχει κείμενο, οθόνη, μαύρο, στιγμιότυπο οθόνης&#10;&#10;Περιγραφή που δημιουργήθηκε αυτόματα">
+            <a:extLst>
+              <a:ext uri="{FF2B5EF4-FFF2-40B4-BE49-F238E27FC236}">
+                <a16:creationId xmlns:a16="http://schemas.microsoft.com/office/drawing/2014/main" id="{D21A0768-6EE9-C907-6FBD-A8122C3964EC}"/>
+              </a:ext>
+            </a:extLst>
+          </p:cNvPr>
+          <p:cNvPicPr>
+            <a:picLocks noChangeAspect="1"/>
+          </p:cNvPicPr>
+          <p:nvPr/>
+        </p:nvPicPr>
+        <p:blipFill rotWithShape="1">
+          <a:blip r:embed="rId5"/>
+          <a:srcRect l="33256" t="79913" r="36554" b="15742"/>
+          <a:stretch/>
+        </p:blipFill>
+        <p:spPr>
+          <a:xfrm>
+            <a:off x="6484066" y="750757"/>
+            <a:ext cx="2428808" cy="196567"/>
+          </a:xfrm>
+          <a:prstGeom prst="rect">
+            <a:avLst/>
+          </a:prstGeom>
+        </p:spPr>
+      </p:pic>
+      <p:sp>
+        <p:nvSpPr>
+          <p:cNvPr id="16" name="Ορθογώνιο 15">
+            <a:extLst>
+              <a:ext uri="{FF2B5EF4-FFF2-40B4-BE49-F238E27FC236}">
+                <a16:creationId xmlns:a16="http://schemas.microsoft.com/office/drawing/2014/main" id="{5C525AC5-D303-88BE-3518-91E6F9D89377}"/>
+              </a:ext>
+            </a:extLst>
+          </p:cNvPr>
+          <p:cNvSpPr/>
+          <p:nvPr/>
+        </p:nvSpPr>
+        <p:spPr>
+          <a:xfrm>
+            <a:off x="6772829" y="774069"/>
+            <a:ext cx="94244" cy="152421"/>
+          </a:xfrm>
+          <a:prstGeom prst="rect">
+            <a:avLst/>
+          </a:prstGeom>
+          <a:solidFill>
+            <a:srgbClr val="FCDF64">
+              <a:alpha val="30000"/>
+            </a:srgbClr>
+          </a:solidFill>
+          <a:ln>
+            <a:noFill/>
+          </a:ln>
+        </p:spPr>
+        <p:style>
+          <a:lnRef idx="2">
+            <a:schemeClr val="accent1">
+              <a:shade val="50000"/>
+            </a:schemeClr>
+          </a:lnRef>
+          <a:fillRef idx="1">
+            <a:schemeClr val="accent1"/>
+          </a:fillRef>
+          <a:effectRef idx="0">
+            <a:schemeClr val="accent1"/>
+          </a:effectRef>
+          <a:fontRef idx="minor">
+            <a:schemeClr val="lt1"/>
+          </a:fontRef>
+        </p:style>
+        <p:txBody>
+          <a:bodyPr rtlCol="0" anchor="ctr"/>
+          <a:lstStyle/>
+          <a:p>
+            <a:pPr algn="ctr"/>
+            <a:endParaRPr lang="el-GR"/>
+          </a:p>
+        </p:txBody>
+      </p:sp>
+      <p:sp>
+        <p:nvSpPr>
+          <p:cNvPr id="25" name="Ορθογώνιο 24">
+            <a:extLst>
+              <a:ext uri="{FF2B5EF4-FFF2-40B4-BE49-F238E27FC236}">
+                <a16:creationId xmlns:a16="http://schemas.microsoft.com/office/drawing/2014/main" id="{C736B7F1-2D24-BEE4-3678-821F79A41F74}"/>
+              </a:ext>
+            </a:extLst>
+          </p:cNvPr>
+          <p:cNvSpPr/>
+          <p:nvPr/>
+        </p:nvSpPr>
+        <p:spPr>
+          <a:xfrm>
+            <a:off x="6773336" y="538526"/>
+            <a:ext cx="94244" cy="152421"/>
+          </a:xfrm>
+          <a:prstGeom prst="rect">
+            <a:avLst/>
+          </a:prstGeom>
+          <a:solidFill>
+            <a:srgbClr val="FCDF64">
+              <a:alpha val="30000"/>
+            </a:srgbClr>
+          </a:solidFill>
+          <a:ln>
+            <a:noFill/>
+          </a:ln>
+        </p:spPr>
+        <p:style>
+          <a:lnRef idx="2">
+            <a:schemeClr val="accent1">
+              <a:shade val="50000"/>
+            </a:schemeClr>
+          </a:lnRef>
+          <a:fillRef idx="1">
+            <a:schemeClr val="accent1"/>
+          </a:fillRef>
+          <a:effectRef idx="0">
+            <a:schemeClr val="accent1"/>
+          </a:effectRef>
+          <a:fontRef idx="minor">
+            <a:schemeClr val="lt1"/>
+          </a:fontRef>
+        </p:style>
+        <p:txBody>
+          <a:bodyPr rtlCol="0" anchor="ctr"/>
+          <a:lstStyle/>
+          <a:p>
+            <a:pPr algn="ctr"/>
+            <a:endParaRPr lang="el-GR"/>
+          </a:p>
+        </p:txBody>
+      </p:sp>
+      <p:sp>
+        <p:nvSpPr>
+          <p:cNvPr id="26" name="Ορθογώνιο 25">
+            <a:extLst>
+              <a:ext uri="{FF2B5EF4-FFF2-40B4-BE49-F238E27FC236}">
+                <a16:creationId xmlns:a16="http://schemas.microsoft.com/office/drawing/2014/main" id="{952ACA2D-2A17-A73C-219B-1DF48C6816E1}"/>
+              </a:ext>
+            </a:extLst>
+          </p:cNvPr>
+          <p:cNvSpPr/>
+          <p:nvPr/>
+        </p:nvSpPr>
+        <p:spPr>
+          <a:xfrm>
+            <a:off x="6776856" y="293464"/>
+            <a:ext cx="94244" cy="152421"/>
+          </a:xfrm>
+          <a:prstGeom prst="rect">
+            <a:avLst/>
+          </a:prstGeom>
+          <a:solidFill>
+            <a:srgbClr val="FCDF64">
+              <a:alpha val="30000"/>
+            </a:srgbClr>
+          </a:solidFill>
+          <a:ln>
+            <a:noFill/>
+          </a:ln>
+        </p:spPr>
+        <p:style>
+          <a:lnRef idx="2">
+            <a:schemeClr val="accent1">
+              <a:shade val="50000"/>
+            </a:schemeClr>
+          </a:lnRef>
+          <a:fillRef idx="1">
+            <a:schemeClr val="accent1"/>
+          </a:fillRef>
+          <a:effectRef idx="0">
+            <a:schemeClr val="accent1"/>
+          </a:effectRef>
+          <a:fontRef idx="minor">
+            <a:schemeClr val="lt1"/>
+          </a:fontRef>
+        </p:style>
+        <p:txBody>
+          <a:bodyPr rtlCol="0" anchor="ctr"/>
+          <a:lstStyle/>
+          <a:p>
+            <a:pPr algn="ctr"/>
+            <a:endParaRPr lang="el-GR"/>
+          </a:p>
+        </p:txBody>
+      </p:sp>
+      <p:sp>
+        <p:nvSpPr>
+          <p:cNvPr id="28" name="TextBox 27">
+            <a:extLst>
+              <a:ext uri="{FF2B5EF4-FFF2-40B4-BE49-F238E27FC236}">
+                <a16:creationId xmlns:a16="http://schemas.microsoft.com/office/drawing/2014/main" id="{4BAC4988-2D8E-0F54-15D3-8259EC752EFA}"/>
+              </a:ext>
+            </a:extLst>
+          </p:cNvPr>
+          <p:cNvSpPr txBox="1"/>
+          <p:nvPr/>
+        </p:nvSpPr>
+        <p:spPr>
+          <a:xfrm>
+            <a:off x="261767" y="1512508"/>
+            <a:ext cx="8511041" cy="584775"/>
+          </a:xfrm>
+          <a:prstGeom prst="rect">
+            <a:avLst/>
+          </a:prstGeom>
+          <a:noFill/>
+        </p:spPr>
+        <p:txBody>
+          <a:bodyPr wrap="square">
+            <a:spAutoFit/>
+          </a:bodyPr>
+          <a:lstStyle/>
+          <a:p>
+            <a:pPr lvl="0"/>
+            <a:r>
+              <a:rPr lang="en-US" sz="1600" dirty="0">
+                <a:solidFill>
+                  <a:schemeClr val="bg1"/>
+                </a:solidFill>
+                <a:latin typeface="Sitka Banner" panose="02000505000000020004" pitchFamily="2" charset="0"/>
+                <a:ea typeface="Cambria Math" panose="02040503050406030204" pitchFamily="18" charset="0"/>
+                <a:cs typeface="Arial" panose="020B0604020202020204" pitchFamily="34" charset="0"/>
+              </a:rPr>
+              <a:t>The algorithm thinks that real-letter “a” is encrypted as “d”! The testing-features of “d” are more similar to the training-features of “a”, rather than the ones of “h”. Is that really so?</a:t>
+            </a:r>
+            <a:endParaRPr lang="en-US" sz="1600" dirty="0">
+              <a:solidFill>
+                <a:schemeClr val="bg1"/>
+              </a:solidFill>
+              <a:effectLst/>
+              <a:latin typeface="Sitka Banner" panose="02000505000000020004" pitchFamily="2" charset="0"/>
+              <a:ea typeface="Cambria Math" panose="02040503050406030204" pitchFamily="18" charset="0"/>
+              <a:cs typeface="Arial" panose="020B0604020202020204" pitchFamily="34" charset="0"/>
+            </a:endParaRPr>
+          </a:p>
+        </p:txBody>
+      </p:sp>
+      <p:pic>
+        <p:nvPicPr>
+          <p:cNvPr id="29" name="Picture 2">
+            <a:extLst>
+              <a:ext uri="{FF2B5EF4-FFF2-40B4-BE49-F238E27FC236}">
+                <a16:creationId xmlns:a16="http://schemas.microsoft.com/office/drawing/2014/main" id="{47074E57-EF95-ED8F-A3DF-686D7619A018}"/>
+              </a:ext>
+            </a:extLst>
+          </p:cNvPr>
+          <p:cNvPicPr>
+            <a:picLocks noChangeAspect="1" noChangeArrowheads="1"/>
+          </p:cNvPicPr>
+          <p:nvPr/>
+        </p:nvPicPr>
+        <p:blipFill>
+          <a:blip r:embed="rId6">
+            <a:extLst>
+              <a:ext uri="{28A0092B-C50C-407E-A947-70E740481C1C}">
+                <a14:useLocalDpi xmlns:a14="http://schemas.microsoft.com/office/drawing/2010/main" val="0"/>
+              </a:ext>
+            </a:extLst>
+          </a:blip>
+          <a:srcRect/>
+          <a:stretch>
+            <a:fillRect/>
+          </a:stretch>
+        </p:blipFill>
+        <p:spPr bwMode="auto">
+          <a:xfrm>
+            <a:off x="455371" y="2261826"/>
+            <a:ext cx="3998542" cy="2656947"/>
+          </a:xfrm>
+          <a:prstGeom prst="rect">
+            <a:avLst/>
+          </a:prstGeom>
+          <a:noFill/>
+          <a:extLst>
+            <a:ext uri="{909E8E84-426E-40DD-AFC4-6F175D3DCCD1}">
+              <a14:hiddenFill xmlns:a14="http://schemas.microsoft.com/office/drawing/2010/main">
+                <a:solidFill>
+                  <a:srgbClr val="FFFFFF"/>
+                </a:solidFill>
+              </a14:hiddenFill>
+            </a:ext>
+          </a:extLst>
+        </p:spPr>
+      </p:pic>
+      <p:pic>
+        <p:nvPicPr>
+          <p:cNvPr id="1028" name="Picture 4">
+            <a:extLst>
+              <a:ext uri="{FF2B5EF4-FFF2-40B4-BE49-F238E27FC236}">
+                <a16:creationId xmlns:a16="http://schemas.microsoft.com/office/drawing/2014/main" id="{70DF19BA-42EC-0351-BE65-5C3C750C488A}"/>
+              </a:ext>
+            </a:extLst>
+          </p:cNvPr>
+          <p:cNvPicPr>
+            <a:picLocks noChangeAspect="1" noChangeArrowheads="1"/>
+          </p:cNvPicPr>
+          <p:nvPr/>
+        </p:nvPicPr>
+        <p:blipFill>
+          <a:blip r:embed="rId7">
+            <a:extLst>
+              <a:ext uri="{28A0092B-C50C-407E-A947-70E740481C1C}">
+                <a14:useLocalDpi xmlns:a14="http://schemas.microsoft.com/office/drawing/2010/main" val="0"/>
+              </a:ext>
+            </a:extLst>
+          </a:blip>
+          <a:srcRect/>
+          <a:stretch>
+            <a:fillRect/>
+          </a:stretch>
+        </p:blipFill>
+        <p:spPr bwMode="auto">
+          <a:xfrm>
+            <a:off x="4621518" y="2261826"/>
+            <a:ext cx="3915900" cy="2656948"/>
+          </a:xfrm>
+          <a:prstGeom prst="rect">
+            <a:avLst/>
+          </a:prstGeom>
+          <a:noFill/>
+          <a:extLst>
+            <a:ext uri="{909E8E84-426E-40DD-AFC4-6F175D3DCCD1}">
+              <a14:hiddenFill xmlns:a14="http://schemas.microsoft.com/office/drawing/2010/main">
+                <a:solidFill>
+                  <a:srgbClr val="FFFFFF"/>
+                </a:solidFill>
+              </a14:hiddenFill>
+            </a:ext>
+          </a:extLst>
+        </p:spPr>
+      </p:pic>
+    </p:spTree>
+    <p:extLst>
+      <p:ext uri="{BB962C8B-B14F-4D97-AF65-F5344CB8AC3E}">
+        <p14:creationId xmlns:p14="http://schemas.microsoft.com/office/powerpoint/2010/main" val="1962999561"/>
+      </p:ext>
+    </p:extLst>
+  </p:cSld>
+  <p:clrMapOvr>
+    <a:masterClrMapping/>
+  </p:clrMapOvr>
+  <p:transition spd="slow">
+    <p:push dir="u"/>
+  </p:transition>
+</p:sld>
+</file>
+
+<file path=ppt/slides/slide14.xml><?xml version="1.0" encoding="utf-8"?>
+<p:sld xmlns:a="http://schemas.openxmlformats.org/drawingml/2006/main" xmlns:r="http://schemas.openxmlformats.org/officeDocument/2006/relationships" xmlns:p="http://schemas.openxmlformats.org/presentationml/2006/main">
+  <p:cSld>
+    <p:spTree>
+      <p:nvGrpSpPr>
+        <p:cNvPr id="1" name="Shape 46"/>
+        <p:cNvGrpSpPr/>
+        <p:nvPr/>
+      </p:nvGrpSpPr>
+      <p:grpSpPr>
+        <a:xfrm>
+          <a:off x="0" y="0"/>
+          <a:ext cx="0" cy="0"/>
+          <a:chOff x="0" y="0"/>
+          <a:chExt cx="0" cy="0"/>
+        </a:xfrm>
+      </p:grpSpPr>
+      <p:sp>
+        <p:nvSpPr>
           <p:cNvPr id="47" name="Google Shape;47;p11"/>
           <p:cNvSpPr txBox="1">
             <a:spLocks noGrp="1"/>
@@ -6535,7 +7333,7 @@
 </p:sld>
 </file>
 
-<file path=ppt/slides/slide14.xml><?xml version="1.0" encoding="utf-8"?>
+<file path=ppt/slides/slide15.xml><?xml version="1.0" encoding="utf-8"?>
 <p:sld xmlns:a="http://schemas.openxmlformats.org/drawingml/2006/main" xmlns:r="http://schemas.openxmlformats.org/officeDocument/2006/relationships" xmlns:p="http://schemas.openxmlformats.org/presentationml/2006/main">
   <p:cSld>
     <p:spTree>
